--- a/Project_Presentation_CERTIPRO.pptx
+++ b/Project_Presentation_CERTIPRO.pptx
@@ -5,21 +5,22 @@
     <p:sldMasterId id="2147483684" r:id="rId4"/>
   </p:sldMasterIdLst>
   <p:notesMasterIdLst>
-    <p:notesMasterId r:id="rId14"/>
+    <p:notesMasterId r:id="rId15"/>
   </p:notesMasterIdLst>
   <p:handoutMasterIdLst>
-    <p:handoutMasterId r:id="rId15"/>
+    <p:handoutMasterId r:id="rId16"/>
   </p:handoutMasterIdLst>
   <p:sldIdLst>
     <p:sldId id="385" r:id="rId5"/>
     <p:sldId id="386" r:id="rId6"/>
     <p:sldId id="384" r:id="rId7"/>
-    <p:sldId id="392" r:id="rId8"/>
-    <p:sldId id="393" r:id="rId9"/>
-    <p:sldId id="394" r:id="rId10"/>
-    <p:sldId id="321" r:id="rId11"/>
-    <p:sldId id="395" r:id="rId12"/>
-    <p:sldId id="389" r:id="rId13"/>
+    <p:sldId id="393" r:id="rId8"/>
+    <p:sldId id="389" r:id="rId9"/>
+    <p:sldId id="392" r:id="rId10"/>
+    <p:sldId id="394" r:id="rId11"/>
+    <p:sldId id="321" r:id="rId12"/>
+    <p:sldId id="396" r:id="rId13"/>
+    <p:sldId id="395" r:id="rId14"/>
   </p:sldIdLst>
   <p:sldSz cx="12192000" cy="6858000"/>
   <p:notesSz cx="6858000" cy="9144000"/>
@@ -234,7 +235,7 @@
           <a:p>
             <a:fld id="{C17F2C1D-F243-42AB-ADF2-E7CB4E04900E}" type="datetimeFigureOut">
               <a:rPr lang="en-US" smtClean="0"/>
-              <a:t>5/24/22</a:t>
+              <a:t>6/1/22</a:t>
             </a:fld>
             <a:endParaRPr lang="en-US"/>
           </a:p>
@@ -411,7 +412,7 @@
           <a:p>
             <a:fld id="{020CE34E-5667-4A32-A6BA-10C7A552BC63}" type="datetimeFigureOut">
               <a:rPr lang="en-US" smtClean="0"/>
-              <a:t>5/24/22</a:t>
+              <a:t>6/1/22</a:t>
             </a:fld>
             <a:endParaRPr lang="en-US"/>
           </a:p>
@@ -827,7 +828,7 @@
           <a:p>
             <a:fld id="{1983A999-5E0E-42CA-8400-604AE921FF7C}" type="slidenum">
               <a:rPr lang="en-US" smtClean="0"/>
-              <a:t>7</a:t>
+              <a:t>8</a:t>
             </a:fld>
             <a:endParaRPr lang="en-US"/>
           </a:p>
@@ -911,7 +912,91 @@
           <a:p>
             <a:fld id="{1983A999-5E0E-42CA-8400-604AE921FF7C}" type="slidenum">
               <a:rPr lang="en-US" smtClean="0"/>
-              <a:t>8</a:t>
+              <a:t>9</a:t>
+            </a:fld>
+            <a:endParaRPr lang="en-US"/>
+          </a:p>
+        </p:txBody>
+      </p:sp>
+    </p:spTree>
+    <p:extLst>
+      <p:ext uri="{BB962C8B-B14F-4D97-AF65-F5344CB8AC3E}">
+        <p14:creationId xmlns:p14="http://schemas.microsoft.com/office/powerpoint/2010/main" val="116346749"/>
+      </p:ext>
+    </p:extLst>
+  </p:cSld>
+  <p:clrMapOvr>
+    <a:masterClrMapping/>
+  </p:clrMapOvr>
+</p:notes>
+</file>
+
+<file path=ppt/notesSlides/notesSlide4.xml><?xml version="1.0" encoding="utf-8"?>
+<p:notes xmlns:a="http://schemas.openxmlformats.org/drawingml/2006/main" xmlns:r="http://schemas.openxmlformats.org/officeDocument/2006/relationships" xmlns:p="http://schemas.openxmlformats.org/presentationml/2006/main">
+  <p:cSld>
+    <p:spTree>
+      <p:nvGrpSpPr>
+        <p:cNvPr id="1" name=""/>
+        <p:cNvGrpSpPr/>
+        <p:nvPr/>
+      </p:nvGrpSpPr>
+      <p:grpSpPr>
+        <a:xfrm>
+          <a:off x="0" y="0"/>
+          <a:ext cx="0" cy="0"/>
+          <a:chOff x="0" y="0"/>
+          <a:chExt cx="0" cy="0"/>
+        </a:xfrm>
+      </p:grpSpPr>
+      <p:sp>
+        <p:nvSpPr>
+          <p:cNvPr id="2" name="Slide Image Placeholder 1"/>
+          <p:cNvSpPr>
+            <a:spLocks noGrp="1" noRot="1" noChangeAspect="1"/>
+          </p:cNvSpPr>
+          <p:nvPr>
+            <p:ph type="sldImg"/>
+          </p:nvPr>
+        </p:nvSpPr>
+        <p:spPr/>
+      </p:sp>
+      <p:sp>
+        <p:nvSpPr>
+          <p:cNvPr id="3" name="Notes Placeholder 2"/>
+          <p:cNvSpPr>
+            <a:spLocks noGrp="1"/>
+          </p:cNvSpPr>
+          <p:nvPr>
+            <p:ph type="body" idx="1"/>
+          </p:nvPr>
+        </p:nvSpPr>
+        <p:spPr/>
+        <p:txBody>
+          <a:bodyPr/>
+          <a:lstStyle/>
+          <a:p>
+            <a:endParaRPr lang="en-US" dirty="0"/>
+          </a:p>
+        </p:txBody>
+      </p:sp>
+      <p:sp>
+        <p:nvSpPr>
+          <p:cNvPr id="4" name="Slide Number Placeholder 3"/>
+          <p:cNvSpPr>
+            <a:spLocks noGrp="1"/>
+          </p:cNvSpPr>
+          <p:nvPr>
+            <p:ph type="sldNum" sz="quarter" idx="5"/>
+          </p:nvPr>
+        </p:nvSpPr>
+        <p:spPr/>
+        <p:txBody>
+          <a:bodyPr/>
+          <a:lstStyle/>
+          <a:p>
+            <a:fld id="{1983A999-5E0E-42CA-8400-604AE921FF7C}" type="slidenum">
+              <a:rPr lang="en-US" smtClean="0"/>
+              <a:t>10</a:t>
             </a:fld>
             <a:endParaRPr lang="en-US"/>
           </a:p>
@@ -13185,7 +13270,7 @@
               </a:lnSpc>
             </a:pPr>
             <a:r>
-              <a:rPr lang="en-US" sz="7200" dirty="0"/>
+              <a:rPr lang="en-US" sz="7200" b="1" dirty="0"/>
               <a:t>CERTIPRO</a:t>
             </a:r>
           </a:p>
@@ -13259,7 +13344,7 @@
         </p:nvSpPr>
         <p:spPr>
           <a:xfrm>
-            <a:off x="550862" y="1557868"/>
+            <a:off x="550863" y="1557867"/>
             <a:ext cx="6591788" cy="4308090"/>
           </a:xfrm>
           <a:prstGeom prst="rect">
@@ -13465,14 +13550,14 @@
               <a:buNone/>
             </a:pPr>
             <a:r>
-              <a:rPr lang="en-US" sz="3200" dirty="0"/>
+              <a:rPr lang="en-US" sz="3600" b="1" dirty="0"/>
               <a:t>Certified professionals to</a:t>
             </a:r>
             <a:br>
-              <a:rPr lang="en-US" sz="3200" dirty="0"/>
+              <a:rPr lang="en-US" sz="3600" b="1" dirty="0"/>
             </a:br>
             <a:r>
-              <a:rPr lang="en-US" sz="3200" dirty="0"/>
+              <a:rPr lang="en-US" sz="3600" b="1" dirty="0"/>
               <a:t>meet your technology needs!</a:t>
             </a:r>
           </a:p>
@@ -13898,6 +13983,202 @@
     <p:extLst>
       <p:ext uri="{BB962C8B-B14F-4D97-AF65-F5344CB8AC3E}">
         <p14:creationId xmlns:p14="http://schemas.microsoft.com/office/powerpoint/2010/main" val="275767087"/>
+      </p:ext>
+    </p:extLst>
+  </p:cSld>
+  <p:clrMapOvr>
+    <a:masterClrMapping/>
+  </p:clrMapOvr>
+</p:sld>
+</file>
+
+<file path=ppt/slides/slide10.xml><?xml version="1.0" encoding="utf-8"?>
+<p:sld xmlns:a="http://schemas.openxmlformats.org/drawingml/2006/main" xmlns:r="http://schemas.openxmlformats.org/officeDocument/2006/relationships" xmlns:p="http://schemas.openxmlformats.org/presentationml/2006/main">
+  <p:cSld>
+    <p:spTree>
+      <p:nvGrpSpPr>
+        <p:cNvPr id="1" name=""/>
+        <p:cNvGrpSpPr/>
+        <p:nvPr/>
+      </p:nvGrpSpPr>
+      <p:grpSpPr>
+        <a:xfrm>
+          <a:off x="0" y="0"/>
+          <a:ext cx="0" cy="0"/>
+          <a:chOff x="0" y="0"/>
+          <a:chExt cx="0" cy="0"/>
+        </a:xfrm>
+      </p:grpSpPr>
+      <p:sp>
+        <p:nvSpPr>
+          <p:cNvPr id="11" name="Title 10">
+            <a:extLst>
+              <a:ext uri="{FF2B5EF4-FFF2-40B4-BE49-F238E27FC236}">
+                <a16:creationId xmlns:a16="http://schemas.microsoft.com/office/drawing/2014/main" id="{23418ADF-358F-4647-A511-FCFFEDA83429}"/>
+              </a:ext>
+            </a:extLst>
+          </p:cNvPr>
+          <p:cNvSpPr>
+            <a:spLocks noGrp="1"/>
+          </p:cNvSpPr>
+          <p:nvPr>
+            <p:ph type="title"/>
+          </p:nvPr>
+        </p:nvSpPr>
+        <p:spPr>
+          <a:xfrm>
+            <a:off x="550863" y="3429000"/>
+            <a:ext cx="3885670" cy="3429000"/>
+          </a:xfrm>
+        </p:spPr>
+        <p:txBody>
+          <a:bodyPr anchor="ctr"/>
+          <a:lstStyle/>
+          <a:p>
+            <a:r>
+              <a:rPr lang="en-US" sz="4400" dirty="0"/>
+              <a:t>CONCLUSION:</a:t>
+            </a:r>
+          </a:p>
+        </p:txBody>
+      </p:sp>
+      <p:sp>
+        <p:nvSpPr>
+          <p:cNvPr id="12" name="Content Placeholder 11">
+            <a:extLst>
+              <a:ext uri="{FF2B5EF4-FFF2-40B4-BE49-F238E27FC236}">
+                <a16:creationId xmlns:a16="http://schemas.microsoft.com/office/drawing/2014/main" id="{E5127060-CDBF-435F-9009-A5451CCE305D}"/>
+              </a:ext>
+            </a:extLst>
+          </p:cNvPr>
+          <p:cNvSpPr>
+            <a:spLocks noGrp="1"/>
+          </p:cNvSpPr>
+          <p:nvPr>
+            <p:ph sz="quarter" idx="15"/>
+          </p:nvPr>
+        </p:nvSpPr>
+        <p:spPr>
+          <a:xfrm>
+            <a:off x="4560125" y="3428999"/>
+            <a:ext cx="7081012" cy="3428999"/>
+          </a:xfrm>
+          <a:noFill/>
+        </p:spPr>
+        <p:txBody>
+          <a:bodyPr anchor="ctr">
+            <a:normAutofit/>
+          </a:bodyPr>
+          <a:lstStyle/>
+          <a:p>
+            <a:pPr marL="0" indent="0" algn="just">
+              <a:buNone/>
+            </a:pPr>
+            <a:r>
+              <a:rPr lang="en-US" dirty="0"/>
+              <a:t>The </a:t>
+            </a:r>
+            <a:r>
+              <a:rPr lang="en-US" dirty="0" err="1"/>
+              <a:t>CertiPro</a:t>
+            </a:r>
+            <a:r>
+              <a:rPr lang="en-US" dirty="0"/>
+              <a:t> app is a great source for professionals to integrate, upload and upgrade their resumes, diplomas, certifications and awards as it will help them develop a presence within the  field. </a:t>
+            </a:r>
+          </a:p>
+          <a:p>
+            <a:pPr marL="0" indent="0" algn="just">
+              <a:buNone/>
+            </a:pPr>
+            <a:r>
+              <a:rPr lang="en-US" dirty="0"/>
+              <a:t>It will also be a great source for recruiters to find certified professionals to meet the technology needs of their costumers and </a:t>
+            </a:r>
+            <a:r>
+              <a:rPr lang="en-US"/>
+              <a:t>different companies.</a:t>
+            </a:r>
+            <a:endParaRPr lang="en-US" dirty="0"/>
+          </a:p>
+        </p:txBody>
+      </p:sp>
+      <p:pic>
+        <p:nvPicPr>
+          <p:cNvPr id="15" name="Picture Placeholder 7" descr="Data Points Digital background">
+            <a:extLst>
+              <a:ext uri="{FF2B5EF4-FFF2-40B4-BE49-F238E27FC236}">
+                <a16:creationId xmlns:a16="http://schemas.microsoft.com/office/drawing/2014/main" id="{8599C7F6-9BE5-1FB7-9E0A-DE2895B4B436}"/>
+              </a:ext>
+            </a:extLst>
+          </p:cNvPr>
+          <p:cNvPicPr>
+            <a:picLocks noGrp="1" noChangeAspect="1"/>
+          </p:cNvPicPr>
+          <p:nvPr>
+            <p:ph type="pic" sz="quarter" idx="13"/>
+          </p:nvPr>
+        </p:nvPicPr>
+        <p:blipFill rotWithShape="1">
+          <a:blip r:embed="rId3">
+            <a:extLst>
+              <a:ext uri="{28A0092B-C50C-407E-A947-70E740481C1C}">
+                <a14:useLocalDpi xmlns:a14="http://schemas.microsoft.com/office/drawing/2010/main" val="0"/>
+              </a:ext>
+            </a:extLst>
+          </a:blip>
+          <a:srcRect t="36786" b="13213"/>
+          <a:stretch/>
+        </p:blipFill>
+        <p:spPr>
+          <a:xfrm>
+            <a:off x="0" y="1"/>
+            <a:ext cx="12192000" cy="3428998"/>
+          </a:xfrm>
+          <a:prstGeom prst="rect">
+            <a:avLst/>
+          </a:prstGeom>
+          <a:solidFill>
+            <a:schemeClr val="accent5"/>
+          </a:solidFill>
+        </p:spPr>
+      </p:pic>
+      <p:sp>
+        <p:nvSpPr>
+          <p:cNvPr id="5" name="TextBox 4">
+            <a:extLst>
+              <a:ext uri="{FF2B5EF4-FFF2-40B4-BE49-F238E27FC236}">
+                <a16:creationId xmlns:a16="http://schemas.microsoft.com/office/drawing/2014/main" id="{EB759249-1124-77D8-3942-F76BDED6C1C5}"/>
+              </a:ext>
+            </a:extLst>
+          </p:cNvPr>
+          <p:cNvSpPr txBox="1"/>
+          <p:nvPr/>
+        </p:nvSpPr>
+        <p:spPr>
+          <a:xfrm>
+            <a:off x="13305453" y="3564294"/>
+            <a:ext cx="184731" cy="369332"/>
+          </a:xfrm>
+          <a:prstGeom prst="rect">
+            <a:avLst/>
+          </a:prstGeom>
+          <a:noFill/>
+        </p:spPr>
+        <p:txBody>
+          <a:bodyPr wrap="none" rtlCol="0">
+            <a:spAutoFit/>
+          </a:bodyPr>
+          <a:lstStyle/>
+          <a:p>
+            <a:endParaRPr lang="en-US" dirty="0"/>
+          </a:p>
+        </p:txBody>
+      </p:sp>
+    </p:spTree>
+    <p:extLst>
+      <p:ext uri="{BB962C8B-B14F-4D97-AF65-F5344CB8AC3E}">
+        <p14:creationId xmlns:p14="http://schemas.microsoft.com/office/powerpoint/2010/main" val="2720438822"/>
       </p:ext>
     </p:extLst>
   </p:cSld>
@@ -14252,7 +14533,7 @@
             </a:pPr>
             <a:r>
               <a:rPr lang="en-US" sz="2800" dirty="0"/>
-              <a:t>Students</a:t>
+              <a:t>Institutions</a:t>
             </a:r>
           </a:p>
           <a:p>
@@ -14262,7 +14543,7 @@
             </a:pPr>
             <a:r>
               <a:rPr lang="en-US" sz="2800" dirty="0"/>
-              <a:t>Institutions </a:t>
+              <a:t>Students </a:t>
             </a:r>
           </a:p>
           <a:p>
@@ -14385,15 +14666,15 @@
             </a:pPr>
             <a:r>
               <a:rPr lang="en-US" dirty="0"/>
-              <a:t>The objective of this project is to create a professional resume wallet that holds tokes and NFTs representing certifications, awards and degrees given by schools and universities. Said wallet can be send to different companies in the field for employment opportunities. We will be using Remix to generate the smart contracts to create tokens and NFTs, then deploying them to the Ganache accounts in </a:t>
+              <a:t>The objective of this project is to create an application called </a:t>
             </a:r>
             <a:r>
               <a:rPr lang="en-US" dirty="0" err="1"/>
-              <a:t>Metamask</a:t>
+              <a:t>CertiPro</a:t>
             </a:r>
             <a:r>
               <a:rPr lang="en-US" dirty="0"/>
-              <a:t>, we will also use IPFS to store the different certificates and awards and connecting them via Pinata. Then we will have an option to print the tokens and NFTs in a physical form</a:t>
+              <a:t> where professionals can upload their resume as well as any tokens and NFTs that represent certifications, awards and degrees given by schools and universities. Clients would also be able to find professionals from a list of candidates and hire them. </a:t>
             </a:r>
           </a:p>
         </p:txBody>
@@ -14812,7 +15093,7 @@
           <a:p>
             <a:r>
               <a:rPr lang="en-US" dirty="0"/>
-              <a:t>STUDENT:</a:t>
+              <a:t>INSTITUTION:</a:t>
             </a:r>
           </a:p>
         </p:txBody>
@@ -15037,49 +15318,43 @@
           <a:p>
             <a:r>
               <a:rPr lang="en-US" dirty="0"/>
-              <a:t>Students will pay their FinTech tuitions to the institutions via their wallets using cryptocurrency</a:t>
-            </a:r>
-          </a:p>
-          <a:p>
-            <a:r>
-              <a:rPr lang="en-US" dirty="0"/>
-              <a:t>Once the institutions sends the students certification as a non-fungible NFT,  the student will create a profile on </a:t>
+              <a:t>Institutions will create non-fungible tokens for each student graduating from their programs in their </a:t>
             </a:r>
             <a:r>
               <a:rPr lang="en-US" dirty="0" err="1"/>
-              <a:t>CertiPro</a:t>
+              <a:t>stremlite</a:t>
             </a:r>
             <a:r>
               <a:rPr lang="en-US" dirty="0"/>
-              <a:t> with their information including their resume and certifications</a:t>
+              <a:t> app.</a:t>
             </a:r>
           </a:p>
           <a:p>
             <a:r>
               <a:rPr lang="en-US" dirty="0"/>
-              <a:t>Students will get paid for their services through </a:t>
+              <a:t>Once the student graduates, the institutions creates the NFT,  then will award the certificate in the </a:t>
             </a:r>
             <a:r>
               <a:rPr lang="en-US" dirty="0" err="1"/>
-              <a:t>CertiPro</a:t>
+              <a:t>streamlite</a:t>
             </a:r>
             <a:r>
               <a:rPr lang="en-US" dirty="0"/>
-              <a:t> to their wallets addresses with cryptocurrency</a:t>
+              <a:t> app, then the certificate will get printed, and a QR code will be created for the certificate.</a:t>
             </a:r>
           </a:p>
           <a:p>
-            <a:pPr marL="0" indent="0">
-              <a:buNone/>
-            </a:pPr>
-            <a:endParaRPr lang="en-US" dirty="0"/>
+            <a:r>
+              <a:rPr lang="en-US" dirty="0"/>
+              <a:t>Lastly, the institutions will send the tokens representing the certifications directly to the  student’s wallets and will send the printed certificates via mail.</a:t>
+            </a:r>
           </a:p>
         </p:txBody>
       </p:sp>
     </p:spTree>
     <p:extLst>
       <p:ext uri="{BB962C8B-B14F-4D97-AF65-F5344CB8AC3E}">
-        <p14:creationId xmlns:p14="http://schemas.microsoft.com/office/powerpoint/2010/main" val="4080705611"/>
+        <p14:creationId xmlns:p14="http://schemas.microsoft.com/office/powerpoint/2010/main" val="3879443726"/>
       </p:ext>
     </p:extLst>
   </p:cSld>
@@ -15090,6 +15365,693 @@
 </file>
 
 <file path=ppt/slides/slide5.xml><?xml version="1.0" encoding="utf-8"?>
+<p:sld xmlns:a="http://schemas.openxmlformats.org/drawingml/2006/main" xmlns:r="http://schemas.openxmlformats.org/officeDocument/2006/relationships" xmlns:p="http://schemas.openxmlformats.org/presentationml/2006/main">
+  <p:cSld>
+    <p:spTree>
+      <p:nvGrpSpPr>
+        <p:cNvPr id="1" name=""/>
+        <p:cNvGrpSpPr/>
+        <p:nvPr/>
+      </p:nvGrpSpPr>
+      <p:grpSpPr>
+        <a:xfrm>
+          <a:off x="0" y="0"/>
+          <a:ext cx="0" cy="0"/>
+          <a:chOff x="0" y="0"/>
+          <a:chExt cx="0" cy="0"/>
+        </a:xfrm>
+      </p:grpSpPr>
+      <p:sp>
+        <p:nvSpPr>
+          <p:cNvPr id="9" name="Rectangle 8">
+            <a:extLst>
+              <a:ext uri="{FF2B5EF4-FFF2-40B4-BE49-F238E27FC236}">
+                <a16:creationId xmlns:a16="http://schemas.microsoft.com/office/drawing/2014/main" id="{54F4E514-F5CD-9B7B-B43F-46B449FCED41}"/>
+              </a:ext>
+            </a:extLst>
+          </p:cNvPr>
+          <p:cNvSpPr/>
+          <p:nvPr/>
+        </p:nvSpPr>
+        <p:spPr>
+          <a:xfrm>
+            <a:off x="1120202" y="3041899"/>
+            <a:ext cx="4438206" cy="3429522"/>
+          </a:xfrm>
+          <a:prstGeom prst="rect">
+            <a:avLst/>
+          </a:prstGeom>
+          <a:solidFill>
+            <a:schemeClr val="tx1"/>
+          </a:solidFill>
+          <a:ln>
+            <a:noFill/>
+          </a:ln>
+        </p:spPr>
+        <p:style>
+          <a:lnRef idx="2">
+            <a:schemeClr val="accent1">
+              <a:shade val="50000"/>
+            </a:schemeClr>
+          </a:lnRef>
+          <a:fillRef idx="1">
+            <a:schemeClr val="accent1"/>
+          </a:fillRef>
+          <a:effectRef idx="0">
+            <a:schemeClr val="accent1"/>
+          </a:effectRef>
+          <a:fontRef idx="minor">
+            <a:schemeClr val="lt1"/>
+          </a:fontRef>
+        </p:style>
+        <p:txBody>
+          <a:bodyPr rtlCol="0" anchor="ctr"/>
+          <a:lstStyle/>
+          <a:p>
+            <a:pPr algn="ctr"/>
+            <a:endParaRPr lang="en-US"/>
+          </a:p>
+        </p:txBody>
+      </p:sp>
+      <p:pic>
+        <p:nvPicPr>
+          <p:cNvPr id="8" name="Picture 7">
+            <a:extLst>
+              <a:ext uri="{FF2B5EF4-FFF2-40B4-BE49-F238E27FC236}">
+                <a16:creationId xmlns:a16="http://schemas.microsoft.com/office/drawing/2014/main" id="{110DEC3E-3DE8-5DF5-C702-66551BEB72F7}"/>
+              </a:ext>
+            </a:extLst>
+          </p:cNvPr>
+          <p:cNvPicPr>
+            <a:picLocks noChangeAspect="1"/>
+          </p:cNvPicPr>
+          <p:nvPr/>
+        </p:nvPicPr>
+        <p:blipFill>
+          <a:blip r:embed="rId2"/>
+          <a:stretch>
+            <a:fillRect/>
+          </a:stretch>
+        </p:blipFill>
+        <p:spPr>
+          <a:xfrm>
+            <a:off x="1120202" y="3041899"/>
+            <a:ext cx="4438206" cy="3429522"/>
+          </a:xfrm>
+          <a:prstGeom prst="rect">
+            <a:avLst/>
+          </a:prstGeom>
+        </p:spPr>
+      </p:pic>
+      <p:sp>
+        <p:nvSpPr>
+          <p:cNvPr id="25" name="Content Placeholder 11">
+            <a:extLst>
+              <a:ext uri="{FF2B5EF4-FFF2-40B4-BE49-F238E27FC236}">
+                <a16:creationId xmlns:a16="http://schemas.microsoft.com/office/drawing/2014/main" id="{C8135FA7-CC20-2095-8575-B78A8A7A4BAA}"/>
+              </a:ext>
+            </a:extLst>
+          </p:cNvPr>
+          <p:cNvSpPr txBox="1">
+            <a:spLocks/>
+          </p:cNvSpPr>
+          <p:nvPr/>
+        </p:nvSpPr>
+        <p:spPr>
+          <a:xfrm>
+            <a:off x="582616" y="2483099"/>
+            <a:ext cx="5513384" cy="558800"/>
+          </a:xfrm>
+          <a:prstGeom prst="rect">
+            <a:avLst/>
+          </a:prstGeom>
+          <a:noFill/>
+        </p:spPr>
+        <p:txBody>
+          <a:bodyPr anchor="t">
+            <a:normAutofit/>
+          </a:bodyPr>
+          <a:lstStyle>
+            <a:lvl1pPr marL="228600" indent="-228600" algn="l" defTabSz="914400" rtl="0" eaLnBrk="1" latinLnBrk="0" hangingPunct="1">
+              <a:lnSpc>
+                <a:spcPct val="110000"/>
+              </a:lnSpc>
+              <a:spcBef>
+                <a:spcPts val="1000"/>
+              </a:spcBef>
+              <a:spcAft>
+                <a:spcPts val="800"/>
+              </a:spcAft>
+              <a:buFont typeface="Arial" panose="020B0604020202020204" pitchFamily="34" charset="0"/>
+              <a:buChar char="•"/>
+              <a:defRPr sz="2000" kern="1200">
+                <a:solidFill>
+                  <a:schemeClr val="tx1">
+                    <a:alpha val="60000"/>
+                  </a:schemeClr>
+                </a:solidFill>
+                <a:latin typeface="+mn-lt"/>
+                <a:ea typeface="+mn-ea"/>
+                <a:cs typeface="+mn-cs"/>
+              </a:defRPr>
+            </a:lvl1pPr>
+            <a:lvl2pPr marL="685800" indent="-228600" algn="l" defTabSz="914400" rtl="0" eaLnBrk="1" latinLnBrk="0" hangingPunct="1">
+              <a:lnSpc>
+                <a:spcPct val="110000"/>
+              </a:lnSpc>
+              <a:spcBef>
+                <a:spcPts val="500"/>
+              </a:spcBef>
+              <a:spcAft>
+                <a:spcPts val="800"/>
+              </a:spcAft>
+              <a:buFont typeface="Arial" panose="020B0604020202020204" pitchFamily="34" charset="0"/>
+              <a:buChar char="•"/>
+              <a:defRPr sz="1400" kern="1200">
+                <a:solidFill>
+                  <a:schemeClr val="tx1">
+                    <a:alpha val="60000"/>
+                  </a:schemeClr>
+                </a:solidFill>
+                <a:latin typeface="+mn-lt"/>
+                <a:ea typeface="+mn-ea"/>
+                <a:cs typeface="+mn-cs"/>
+              </a:defRPr>
+            </a:lvl2pPr>
+            <a:lvl3pPr marL="1143000" indent="-228600" algn="l" defTabSz="914400" rtl="0" eaLnBrk="1" latinLnBrk="0" hangingPunct="1">
+              <a:lnSpc>
+                <a:spcPct val="110000"/>
+              </a:lnSpc>
+              <a:spcBef>
+                <a:spcPts val="500"/>
+              </a:spcBef>
+              <a:spcAft>
+                <a:spcPts val="800"/>
+              </a:spcAft>
+              <a:buFont typeface="Arial" panose="020B0604020202020204" pitchFamily="34" charset="0"/>
+              <a:buChar char="•"/>
+              <a:defRPr sz="1400" kern="1200">
+                <a:solidFill>
+                  <a:schemeClr val="tx1">
+                    <a:alpha val="60000"/>
+                  </a:schemeClr>
+                </a:solidFill>
+                <a:latin typeface="+mn-lt"/>
+                <a:ea typeface="+mn-ea"/>
+                <a:cs typeface="+mn-cs"/>
+              </a:defRPr>
+            </a:lvl3pPr>
+            <a:lvl4pPr marL="1600200" indent="-228600" algn="l" defTabSz="914400" rtl="0" eaLnBrk="1" latinLnBrk="0" hangingPunct="1">
+              <a:lnSpc>
+                <a:spcPct val="110000"/>
+              </a:lnSpc>
+              <a:spcBef>
+                <a:spcPts val="500"/>
+              </a:spcBef>
+              <a:spcAft>
+                <a:spcPts val="800"/>
+              </a:spcAft>
+              <a:buFont typeface="Arial" panose="020B0604020202020204" pitchFamily="34" charset="0"/>
+              <a:buChar char="•"/>
+              <a:defRPr sz="1400" kern="1200">
+                <a:solidFill>
+                  <a:schemeClr val="tx1">
+                    <a:alpha val="60000"/>
+                  </a:schemeClr>
+                </a:solidFill>
+                <a:latin typeface="+mn-lt"/>
+                <a:ea typeface="+mn-ea"/>
+                <a:cs typeface="+mn-cs"/>
+              </a:defRPr>
+            </a:lvl4pPr>
+            <a:lvl5pPr marL="2057400" indent="-228600" algn="l" defTabSz="914400" rtl="0" eaLnBrk="1" latinLnBrk="0" hangingPunct="1">
+              <a:lnSpc>
+                <a:spcPct val="110000"/>
+              </a:lnSpc>
+              <a:spcBef>
+                <a:spcPts val="500"/>
+              </a:spcBef>
+              <a:spcAft>
+                <a:spcPts val="800"/>
+              </a:spcAft>
+              <a:buFont typeface="Arial" panose="020B0604020202020204" pitchFamily="34" charset="0"/>
+              <a:buChar char="•"/>
+              <a:defRPr sz="1400" kern="1200">
+                <a:solidFill>
+                  <a:schemeClr val="tx1">
+                    <a:alpha val="60000"/>
+                  </a:schemeClr>
+                </a:solidFill>
+                <a:latin typeface="+mn-lt"/>
+                <a:ea typeface="+mn-ea"/>
+                <a:cs typeface="+mn-cs"/>
+              </a:defRPr>
+            </a:lvl5pPr>
+            <a:lvl6pPr marL="2514600" indent="-228600" algn="l" defTabSz="914400" rtl="0" eaLnBrk="1" latinLnBrk="0" hangingPunct="1">
+              <a:lnSpc>
+                <a:spcPct val="90000"/>
+              </a:lnSpc>
+              <a:spcBef>
+                <a:spcPts val="500"/>
+              </a:spcBef>
+              <a:buFont typeface="Arial" panose="020B0604020202020204" pitchFamily="34" charset="0"/>
+              <a:buChar char="•"/>
+              <a:defRPr sz="1800" kern="1200">
+                <a:solidFill>
+                  <a:schemeClr val="tx1"/>
+                </a:solidFill>
+                <a:latin typeface="+mn-lt"/>
+                <a:ea typeface="+mn-ea"/>
+                <a:cs typeface="+mn-cs"/>
+              </a:defRPr>
+            </a:lvl6pPr>
+            <a:lvl7pPr marL="2971800" indent="-228600" algn="l" defTabSz="914400" rtl="0" eaLnBrk="1" latinLnBrk="0" hangingPunct="1">
+              <a:lnSpc>
+                <a:spcPct val="90000"/>
+              </a:lnSpc>
+              <a:spcBef>
+                <a:spcPts val="500"/>
+              </a:spcBef>
+              <a:buFont typeface="Arial" panose="020B0604020202020204" pitchFamily="34" charset="0"/>
+              <a:buChar char="•"/>
+              <a:defRPr sz="1800" kern="1200">
+                <a:solidFill>
+                  <a:schemeClr val="tx1"/>
+                </a:solidFill>
+                <a:latin typeface="+mn-lt"/>
+                <a:ea typeface="+mn-ea"/>
+                <a:cs typeface="+mn-cs"/>
+              </a:defRPr>
+            </a:lvl7pPr>
+            <a:lvl8pPr marL="3429000" indent="-228600" algn="l" defTabSz="914400" rtl="0" eaLnBrk="1" latinLnBrk="0" hangingPunct="1">
+              <a:lnSpc>
+                <a:spcPct val="90000"/>
+              </a:lnSpc>
+              <a:spcBef>
+                <a:spcPts val="500"/>
+              </a:spcBef>
+              <a:buFont typeface="Arial" panose="020B0604020202020204" pitchFamily="34" charset="0"/>
+              <a:buChar char="•"/>
+              <a:defRPr sz="1800" kern="1200">
+                <a:solidFill>
+                  <a:schemeClr val="tx1"/>
+                </a:solidFill>
+                <a:latin typeface="+mn-lt"/>
+                <a:ea typeface="+mn-ea"/>
+                <a:cs typeface="+mn-cs"/>
+              </a:defRPr>
+            </a:lvl8pPr>
+            <a:lvl9pPr marL="3886200" indent="-228600" algn="l" defTabSz="914400" rtl="0" eaLnBrk="1" latinLnBrk="0" hangingPunct="1">
+              <a:lnSpc>
+                <a:spcPct val="90000"/>
+              </a:lnSpc>
+              <a:spcBef>
+                <a:spcPts val="500"/>
+              </a:spcBef>
+              <a:buFont typeface="Arial" panose="020B0604020202020204" pitchFamily="34" charset="0"/>
+              <a:buChar char="•"/>
+              <a:defRPr sz="1800" kern="1200">
+                <a:solidFill>
+                  <a:schemeClr val="tx1"/>
+                </a:solidFill>
+                <a:latin typeface="+mn-lt"/>
+                <a:ea typeface="+mn-ea"/>
+                <a:cs typeface="+mn-cs"/>
+              </a:defRPr>
+            </a:lvl9pPr>
+          </a:lstStyle>
+          <a:p>
+            <a:pPr marL="0" indent="0" algn="ctr">
+              <a:buNone/>
+            </a:pPr>
+            <a:r>
+              <a:rPr lang="en-US" sz="2800" dirty="0"/>
+              <a:t>CERTIFICATE</a:t>
+            </a:r>
+          </a:p>
+        </p:txBody>
+      </p:sp>
+      <p:sp>
+        <p:nvSpPr>
+          <p:cNvPr id="27" name="Content Placeholder 11">
+            <a:extLst>
+              <a:ext uri="{FF2B5EF4-FFF2-40B4-BE49-F238E27FC236}">
+                <a16:creationId xmlns:a16="http://schemas.microsoft.com/office/drawing/2014/main" id="{54617BEA-2A30-9446-056C-70BB54771DDF}"/>
+              </a:ext>
+            </a:extLst>
+          </p:cNvPr>
+          <p:cNvSpPr txBox="1">
+            <a:spLocks/>
+          </p:cNvSpPr>
+          <p:nvPr/>
+        </p:nvSpPr>
+        <p:spPr>
+          <a:xfrm>
+            <a:off x="6096000" y="2483099"/>
+            <a:ext cx="5513385" cy="558800"/>
+          </a:xfrm>
+          <a:prstGeom prst="rect">
+            <a:avLst/>
+          </a:prstGeom>
+          <a:noFill/>
+        </p:spPr>
+        <p:txBody>
+          <a:bodyPr anchor="t">
+            <a:normAutofit/>
+          </a:bodyPr>
+          <a:lstStyle>
+            <a:lvl1pPr marL="228600" indent="-228600" algn="l" defTabSz="914400" rtl="0" eaLnBrk="1" latinLnBrk="0" hangingPunct="1">
+              <a:lnSpc>
+                <a:spcPct val="110000"/>
+              </a:lnSpc>
+              <a:spcBef>
+                <a:spcPts val="1000"/>
+              </a:spcBef>
+              <a:spcAft>
+                <a:spcPts val="800"/>
+              </a:spcAft>
+              <a:buFont typeface="Arial" panose="020B0604020202020204" pitchFamily="34" charset="0"/>
+              <a:buChar char="•"/>
+              <a:defRPr sz="2000" kern="1200">
+                <a:solidFill>
+                  <a:schemeClr val="tx1">
+                    <a:alpha val="60000"/>
+                  </a:schemeClr>
+                </a:solidFill>
+                <a:latin typeface="+mn-lt"/>
+                <a:ea typeface="+mn-ea"/>
+                <a:cs typeface="+mn-cs"/>
+              </a:defRPr>
+            </a:lvl1pPr>
+            <a:lvl2pPr marL="685800" indent="-228600" algn="l" defTabSz="914400" rtl="0" eaLnBrk="1" latinLnBrk="0" hangingPunct="1">
+              <a:lnSpc>
+                <a:spcPct val="110000"/>
+              </a:lnSpc>
+              <a:spcBef>
+                <a:spcPts val="500"/>
+              </a:spcBef>
+              <a:spcAft>
+                <a:spcPts val="800"/>
+              </a:spcAft>
+              <a:buFont typeface="Arial" panose="020B0604020202020204" pitchFamily="34" charset="0"/>
+              <a:buChar char="•"/>
+              <a:defRPr sz="1400" kern="1200">
+                <a:solidFill>
+                  <a:schemeClr val="tx1">
+                    <a:alpha val="60000"/>
+                  </a:schemeClr>
+                </a:solidFill>
+                <a:latin typeface="+mn-lt"/>
+                <a:ea typeface="+mn-ea"/>
+                <a:cs typeface="+mn-cs"/>
+              </a:defRPr>
+            </a:lvl2pPr>
+            <a:lvl3pPr marL="1143000" indent="-228600" algn="l" defTabSz="914400" rtl="0" eaLnBrk="1" latinLnBrk="0" hangingPunct="1">
+              <a:lnSpc>
+                <a:spcPct val="110000"/>
+              </a:lnSpc>
+              <a:spcBef>
+                <a:spcPts val="500"/>
+              </a:spcBef>
+              <a:spcAft>
+                <a:spcPts val="800"/>
+              </a:spcAft>
+              <a:buFont typeface="Arial" panose="020B0604020202020204" pitchFamily="34" charset="0"/>
+              <a:buChar char="•"/>
+              <a:defRPr sz="1400" kern="1200">
+                <a:solidFill>
+                  <a:schemeClr val="tx1">
+                    <a:alpha val="60000"/>
+                  </a:schemeClr>
+                </a:solidFill>
+                <a:latin typeface="+mn-lt"/>
+                <a:ea typeface="+mn-ea"/>
+                <a:cs typeface="+mn-cs"/>
+              </a:defRPr>
+            </a:lvl3pPr>
+            <a:lvl4pPr marL="1600200" indent="-228600" algn="l" defTabSz="914400" rtl="0" eaLnBrk="1" latinLnBrk="0" hangingPunct="1">
+              <a:lnSpc>
+                <a:spcPct val="110000"/>
+              </a:lnSpc>
+              <a:spcBef>
+                <a:spcPts val="500"/>
+              </a:spcBef>
+              <a:spcAft>
+                <a:spcPts val="800"/>
+              </a:spcAft>
+              <a:buFont typeface="Arial" panose="020B0604020202020204" pitchFamily="34" charset="0"/>
+              <a:buChar char="•"/>
+              <a:defRPr sz="1400" kern="1200">
+                <a:solidFill>
+                  <a:schemeClr val="tx1">
+                    <a:alpha val="60000"/>
+                  </a:schemeClr>
+                </a:solidFill>
+                <a:latin typeface="+mn-lt"/>
+                <a:ea typeface="+mn-ea"/>
+                <a:cs typeface="+mn-cs"/>
+              </a:defRPr>
+            </a:lvl4pPr>
+            <a:lvl5pPr marL="2057400" indent="-228600" algn="l" defTabSz="914400" rtl="0" eaLnBrk="1" latinLnBrk="0" hangingPunct="1">
+              <a:lnSpc>
+                <a:spcPct val="110000"/>
+              </a:lnSpc>
+              <a:spcBef>
+                <a:spcPts val="500"/>
+              </a:spcBef>
+              <a:spcAft>
+                <a:spcPts val="800"/>
+              </a:spcAft>
+              <a:buFont typeface="Arial" panose="020B0604020202020204" pitchFamily="34" charset="0"/>
+              <a:buChar char="•"/>
+              <a:defRPr sz="1400" kern="1200">
+                <a:solidFill>
+                  <a:schemeClr val="tx1">
+                    <a:alpha val="60000"/>
+                  </a:schemeClr>
+                </a:solidFill>
+                <a:latin typeface="+mn-lt"/>
+                <a:ea typeface="+mn-ea"/>
+                <a:cs typeface="+mn-cs"/>
+              </a:defRPr>
+            </a:lvl5pPr>
+            <a:lvl6pPr marL="2514600" indent="-228600" algn="l" defTabSz="914400" rtl="0" eaLnBrk="1" latinLnBrk="0" hangingPunct="1">
+              <a:lnSpc>
+                <a:spcPct val="90000"/>
+              </a:lnSpc>
+              <a:spcBef>
+                <a:spcPts val="500"/>
+              </a:spcBef>
+              <a:buFont typeface="Arial" panose="020B0604020202020204" pitchFamily="34" charset="0"/>
+              <a:buChar char="•"/>
+              <a:defRPr sz="1800" kern="1200">
+                <a:solidFill>
+                  <a:schemeClr val="tx1"/>
+                </a:solidFill>
+                <a:latin typeface="+mn-lt"/>
+                <a:ea typeface="+mn-ea"/>
+                <a:cs typeface="+mn-cs"/>
+              </a:defRPr>
+            </a:lvl6pPr>
+            <a:lvl7pPr marL="2971800" indent="-228600" algn="l" defTabSz="914400" rtl="0" eaLnBrk="1" latinLnBrk="0" hangingPunct="1">
+              <a:lnSpc>
+                <a:spcPct val="90000"/>
+              </a:lnSpc>
+              <a:spcBef>
+                <a:spcPts val="500"/>
+              </a:spcBef>
+              <a:buFont typeface="Arial" panose="020B0604020202020204" pitchFamily="34" charset="0"/>
+              <a:buChar char="•"/>
+              <a:defRPr sz="1800" kern="1200">
+                <a:solidFill>
+                  <a:schemeClr val="tx1"/>
+                </a:solidFill>
+                <a:latin typeface="+mn-lt"/>
+                <a:ea typeface="+mn-ea"/>
+                <a:cs typeface="+mn-cs"/>
+              </a:defRPr>
+            </a:lvl7pPr>
+            <a:lvl8pPr marL="3429000" indent="-228600" algn="l" defTabSz="914400" rtl="0" eaLnBrk="1" latinLnBrk="0" hangingPunct="1">
+              <a:lnSpc>
+                <a:spcPct val="90000"/>
+              </a:lnSpc>
+              <a:spcBef>
+                <a:spcPts val="500"/>
+              </a:spcBef>
+              <a:buFont typeface="Arial" panose="020B0604020202020204" pitchFamily="34" charset="0"/>
+              <a:buChar char="•"/>
+              <a:defRPr sz="1800" kern="1200">
+                <a:solidFill>
+                  <a:schemeClr val="tx1"/>
+                </a:solidFill>
+                <a:latin typeface="+mn-lt"/>
+                <a:ea typeface="+mn-ea"/>
+                <a:cs typeface="+mn-cs"/>
+              </a:defRPr>
+            </a:lvl8pPr>
+            <a:lvl9pPr marL="3886200" indent="-228600" algn="l" defTabSz="914400" rtl="0" eaLnBrk="1" latinLnBrk="0" hangingPunct="1">
+              <a:lnSpc>
+                <a:spcPct val="90000"/>
+              </a:lnSpc>
+              <a:spcBef>
+                <a:spcPts val="500"/>
+              </a:spcBef>
+              <a:buFont typeface="Arial" panose="020B0604020202020204" pitchFamily="34" charset="0"/>
+              <a:buChar char="•"/>
+              <a:defRPr sz="1800" kern="1200">
+                <a:solidFill>
+                  <a:schemeClr val="tx1"/>
+                </a:solidFill>
+                <a:latin typeface="+mn-lt"/>
+                <a:ea typeface="+mn-ea"/>
+                <a:cs typeface="+mn-cs"/>
+              </a:defRPr>
+            </a:lvl9pPr>
+          </a:lstStyle>
+          <a:p>
+            <a:pPr marL="0" indent="0" algn="ctr">
+              <a:buNone/>
+            </a:pPr>
+            <a:r>
+              <a:rPr lang="en-US" sz="2800" dirty="0"/>
+              <a:t>QR CODE</a:t>
+            </a:r>
+          </a:p>
+        </p:txBody>
+      </p:sp>
+      <p:pic>
+        <p:nvPicPr>
+          <p:cNvPr id="29" name="Picture Placeholder 7" descr="Data Points Digital background">
+            <a:extLst>
+              <a:ext uri="{FF2B5EF4-FFF2-40B4-BE49-F238E27FC236}">
+                <a16:creationId xmlns:a16="http://schemas.microsoft.com/office/drawing/2014/main" id="{91989E96-3DAB-3505-CF41-A3BAD4575AAC}"/>
+              </a:ext>
+            </a:extLst>
+          </p:cNvPr>
+          <p:cNvPicPr>
+            <a:picLocks noChangeAspect="1"/>
+          </p:cNvPicPr>
+          <p:nvPr/>
+        </p:nvPicPr>
+        <p:blipFill rotWithShape="1">
+          <a:blip r:embed="rId3">
+            <a:extLst>
+              <a:ext uri="{28A0092B-C50C-407E-A947-70E740481C1C}">
+                <a14:useLocalDpi xmlns:a14="http://schemas.microsoft.com/office/drawing/2010/main" val="0"/>
+              </a:ext>
+            </a:extLst>
+          </a:blip>
+          <a:srcRect t="22465" b="41325"/>
+          <a:stretch/>
+        </p:blipFill>
+        <p:spPr>
+          <a:xfrm>
+            <a:off x="0" y="-256032"/>
+            <a:ext cx="12192000" cy="2483099"/>
+          </a:xfrm>
+          <a:prstGeom prst="rect">
+            <a:avLst/>
+          </a:prstGeom>
+        </p:spPr>
+      </p:pic>
+      <p:sp>
+        <p:nvSpPr>
+          <p:cNvPr id="30" name="Title 1">
+            <a:extLst>
+              <a:ext uri="{FF2B5EF4-FFF2-40B4-BE49-F238E27FC236}">
+                <a16:creationId xmlns:a16="http://schemas.microsoft.com/office/drawing/2014/main" id="{C78D3FED-F5C1-944B-D8FA-83D2A272C50A}"/>
+              </a:ext>
+            </a:extLst>
+          </p:cNvPr>
+          <p:cNvSpPr txBox="1">
+            <a:spLocks/>
+          </p:cNvSpPr>
+          <p:nvPr/>
+        </p:nvSpPr>
+        <p:spPr>
+          <a:xfrm>
+            <a:off x="582616" y="-256032"/>
+            <a:ext cx="4349992" cy="2483099"/>
+          </a:xfrm>
+          <a:prstGeom prst="rect">
+            <a:avLst/>
+          </a:prstGeom>
+        </p:spPr>
+        <p:txBody>
+          <a:bodyPr vert="horz" wrap="square" lIns="0" tIns="0" rIns="0" bIns="0" rtlCol="0" anchor="ctr" anchorCtr="0">
+            <a:noAutofit/>
+          </a:bodyPr>
+          <a:lstStyle>
+            <a:lvl1pPr algn="l" defTabSz="914400" rtl="0" eaLnBrk="1" latinLnBrk="0" hangingPunct="1">
+              <a:lnSpc>
+                <a:spcPct val="90000"/>
+              </a:lnSpc>
+              <a:spcBef>
+                <a:spcPct val="0"/>
+              </a:spcBef>
+              <a:buNone/>
+              <a:defRPr lang="en-US" sz="4800" kern="1200" dirty="0">
+                <a:solidFill>
+                  <a:schemeClr val="tx1"/>
+                </a:solidFill>
+                <a:latin typeface="+mj-lt"/>
+                <a:ea typeface="+mj-ea"/>
+                <a:cs typeface="+mj-cs"/>
+              </a:defRPr>
+            </a:lvl1pPr>
+          </a:lstStyle>
+          <a:p>
+            <a:r>
+              <a:rPr lang="en-US" dirty="0"/>
+              <a:t>INSTITUTION</a:t>
+            </a:r>
+          </a:p>
+        </p:txBody>
+      </p:sp>
+      <p:pic>
+        <p:nvPicPr>
+          <p:cNvPr id="3" name="Picture 2" descr="Qr code&#10;&#10;Description automatically generated">
+            <a:extLst>
+              <a:ext uri="{FF2B5EF4-FFF2-40B4-BE49-F238E27FC236}">
+                <a16:creationId xmlns:a16="http://schemas.microsoft.com/office/drawing/2014/main" id="{51F0BF79-4367-7E65-B532-10D0CA1D441C}"/>
+              </a:ext>
+            </a:extLst>
+          </p:cNvPr>
+          <p:cNvPicPr>
+            <a:picLocks noChangeAspect="1"/>
+          </p:cNvPicPr>
+          <p:nvPr/>
+        </p:nvPicPr>
+        <p:blipFill>
+          <a:blip r:embed="rId4"/>
+          <a:stretch>
+            <a:fillRect/>
+          </a:stretch>
+        </p:blipFill>
+        <p:spPr>
+          <a:xfrm>
+            <a:off x="7141760" y="3041900"/>
+            <a:ext cx="3421858" cy="3429521"/>
+          </a:xfrm>
+          <a:prstGeom prst="rect">
+            <a:avLst/>
+          </a:prstGeom>
+        </p:spPr>
+      </p:pic>
+    </p:spTree>
+    <p:extLst>
+      <p:ext uri="{BB962C8B-B14F-4D97-AF65-F5344CB8AC3E}">
+        <p14:creationId xmlns:p14="http://schemas.microsoft.com/office/powerpoint/2010/main" val="340311029"/>
+      </p:ext>
+    </p:extLst>
+  </p:cSld>
+  <p:clrMapOvr>
+    <a:masterClrMapping/>
+  </p:clrMapOvr>
+</p:sld>
+</file>
+
+<file path=ppt/slides/slide6.xml><?xml version="1.0" encoding="utf-8"?>
 <p:sld xmlns:a="http://schemas.openxmlformats.org/drawingml/2006/main" xmlns:r="http://schemas.openxmlformats.org/officeDocument/2006/relationships" xmlns:p="http://schemas.openxmlformats.org/presentationml/2006/main">
   <p:cSld>
     <p:spTree>
@@ -15418,7 +16380,7 @@
           <a:p>
             <a:r>
               <a:rPr lang="en-US" dirty="0"/>
-              <a:t>INSTITUTION:</a:t>
+              <a:t>STUDENT:</a:t>
             </a:r>
           </a:p>
         </p:txBody>
@@ -15643,27 +16605,49 @@
           <a:p>
             <a:r>
               <a:rPr lang="en-US" dirty="0"/>
-              <a:t>Institutions will create non-fungible tokes for each student graduation from their programs</a:t>
+              <a:t>Students will send the institutions their wallet addresses that will hold the tokens for their certificates.</a:t>
             </a:r>
           </a:p>
           <a:p>
             <a:r>
               <a:rPr lang="en-US" dirty="0"/>
-              <a:t>Once the NFT is created, it will automatically print the certificate with a build in function</a:t>
+              <a:t>Once the students pay and graduate from the program, the institutions will send him the token, after, the student will import the token using the contract address and keep it on his </a:t>
             </a:r>
-          </a:p>
-          <a:p>
+            <a:r>
+              <a:rPr lang="en-US" dirty="0" err="1"/>
+              <a:t>Metamask</a:t>
+            </a:r>
             <a:r>
               <a:rPr lang="en-US" dirty="0"/>
-              <a:t>Institutions will send the certifications to students wallets directly and will send the printed certificate via mail</a:t>
+              <a:t> wallet address.</a:t>
             </a:r>
+          </a:p>
+          <a:p>
+            <a:r>
+              <a:rPr lang="en-US" dirty="0"/>
+              <a:t>The student as a professional will create a profile on </a:t>
+            </a:r>
+            <a:r>
+              <a:rPr lang="en-US" dirty="0" err="1"/>
+              <a:t>CertiPro</a:t>
+            </a:r>
+            <a:r>
+              <a:rPr lang="en-US" dirty="0"/>
+              <a:t> with their personal information including their resume and certifications to be displayed.</a:t>
+            </a:r>
+          </a:p>
+          <a:p>
+            <a:pPr marL="0" indent="0">
+              <a:buNone/>
+            </a:pPr>
+            <a:endParaRPr lang="en-US" dirty="0"/>
           </a:p>
         </p:txBody>
       </p:sp>
     </p:spTree>
     <p:extLst>
       <p:ext uri="{BB962C8B-B14F-4D97-AF65-F5344CB8AC3E}">
-        <p14:creationId xmlns:p14="http://schemas.microsoft.com/office/powerpoint/2010/main" val="3879443726"/>
+        <p14:creationId xmlns:p14="http://schemas.microsoft.com/office/powerpoint/2010/main" val="4080705611"/>
       </p:ext>
     </p:extLst>
   </p:cSld>
@@ -15673,7 +16657,7 @@
 </p:sld>
 </file>
 
-<file path=ppt/slides/slide6.xml><?xml version="1.0" encoding="utf-8"?>
+<file path=ppt/slides/slide7.xml><?xml version="1.0" encoding="utf-8"?>
 <p:sld xmlns:a="http://schemas.openxmlformats.org/drawingml/2006/main" xmlns:r="http://schemas.openxmlformats.org/officeDocument/2006/relationships" xmlns:p="http://schemas.openxmlformats.org/presentationml/2006/main">
   <p:cSld>
     <p:spTree>
@@ -16231,29 +17215,21 @@
             </a:r>
             <a:r>
               <a:rPr lang="en-US" dirty="0"/>
-              <a:t> is an application that allows people to find fintech professionals from among a list of candidates, hire them, and pay them. For its development, it has been needed to integrate the Ethereum blockchain network into the application in order to enable the customers can instantly pay with cryptocurrency to the professionals that they hired. </a:t>
-            </a:r>
-          </a:p>
-          <a:p>
-            <a:r>
-              <a:rPr lang="en-US" dirty="0"/>
-              <a:t>This application is made up of two files. One file contains the code associated with the web interface for </a:t>
+              <a:t> is a </a:t>
             </a:r>
             <a:r>
               <a:rPr lang="en-US" dirty="0" err="1"/>
-              <a:t>CertiPro</a:t>
+              <a:t>streamlite</a:t>
             </a:r>
             <a:r>
               <a:rPr lang="en-US" dirty="0"/>
-              <a:t>. The code included in this file is compatible with the </a:t>
+              <a:t> application that allows professionals to create a profile where costumers can find professionals from among a list of candidates and hire them. </a:t>
             </a:r>
-            <a:r>
-              <a:rPr lang="en-US" dirty="0" err="1"/>
-              <a:t>Streamlit</a:t>
-            </a:r>
+          </a:p>
+          <a:p>
             <a:r>
               <a:rPr lang="en-US" dirty="0"/>
-              <a:t> library. </a:t>
+              <a:t>Each profile can upload a photo, add Ethereum wallet, resume and certificates that will be displayed on the app, as well as the address where the certificates are stored and view the certificates on the app.</a:t>
             </a:r>
           </a:p>
         </p:txBody>
@@ -16271,7 +17247,7 @@
 </p:sld>
 </file>
 
-<file path=ppt/slides/slide7.xml><?xml version="1.0" encoding="utf-8"?>
+<file path=ppt/slides/slide8.xml><?xml version="1.0" encoding="utf-8"?>
 <p:sld xmlns:a="http://schemas.openxmlformats.org/drawingml/2006/main" xmlns:r="http://schemas.openxmlformats.org/officeDocument/2006/relationships" xmlns:p="http://schemas.openxmlformats.org/presentationml/2006/main">
   <p:cSld>
     <p:spTree>
@@ -16290,6 +17266,53 @@
       </p:grpSpPr>
       <p:pic>
         <p:nvPicPr>
+          <p:cNvPr id="1026" name="Picture 2" descr="Profile photo for Oscar Lopez">
+            <a:extLst>
+              <a:ext uri="{FF2B5EF4-FFF2-40B4-BE49-F238E27FC236}">
+                <a16:creationId xmlns:a16="http://schemas.microsoft.com/office/drawing/2014/main" id="{A7798C76-8DF4-547D-C33A-AC2BEBB5B974}"/>
+              </a:ext>
+            </a:extLst>
+          </p:cNvPr>
+          <p:cNvPicPr>
+            <a:picLocks noChangeAspect="1" noChangeArrowheads="1"/>
+          </p:cNvPicPr>
+          <p:nvPr/>
+        </p:nvPicPr>
+        <p:blipFill>
+          <a:blip r:embed="rId3">
+            <a:extLst>
+              <a:ext uri="{28A0092B-C50C-407E-A947-70E740481C1C}">
+                <a14:useLocalDpi xmlns:a14="http://schemas.microsoft.com/office/drawing/2010/main" val="0"/>
+              </a:ext>
+            </a:extLst>
+          </a:blip>
+          <a:srcRect/>
+          <a:stretch>
+            <a:fillRect/>
+          </a:stretch>
+        </p:blipFill>
+        <p:spPr bwMode="auto">
+          <a:xfrm>
+            <a:off x="8893550" y="2914625"/>
+            <a:ext cx="2483099" cy="2483099"/>
+          </a:xfrm>
+          <a:prstGeom prst="rect">
+            <a:avLst/>
+          </a:prstGeom>
+          <a:noFill/>
+          <a:extLst>
+            <a:ext uri="{909E8E84-426E-40DD-AFC4-6F175D3DCCD1}">
+              <a14:hiddenFill xmlns:a14="http://schemas.microsoft.com/office/drawing/2010/main">
+                <a:solidFill>
+                  <a:srgbClr val="FFFFFF"/>
+                </a:solidFill>
+              </a14:hiddenFill>
+            </a:ext>
+          </a:extLst>
+        </p:spPr>
+      </p:pic>
+      <p:pic>
+        <p:nvPicPr>
           <p:cNvPr id="10" name="Picture Placeholder 7" descr="Data Points Digital background">
             <a:extLst>
               <a:ext uri="{FF2B5EF4-FFF2-40B4-BE49-F238E27FC236}">
@@ -16305,7 +17328,7 @@
           </p:nvPr>
         </p:nvPicPr>
         <p:blipFill rotWithShape="1">
-          <a:blip r:embed="rId3">
+          <a:blip r:embed="rId4">
             <a:extLst>
               <a:ext uri="{28A0092B-C50C-407E-A947-70E740481C1C}">
                 <a14:useLocalDpi xmlns:a14="http://schemas.microsoft.com/office/drawing/2010/main" val="0"/>
@@ -16337,7 +17360,7 @@
           <p:nvPr/>
         </p:nvPicPr>
         <p:blipFill rotWithShape="1">
-          <a:blip r:embed="rId4" cstate="screen">
+          <a:blip r:embed="rId5" cstate="screen">
             <a:extLst>
               <a:ext uri="{28A0092B-C50C-407E-A947-70E740481C1C}">
                 <a14:useLocalDpi xmlns:a14="http://schemas.microsoft.com/office/drawing/2010/main" val="0"/>
@@ -16358,76 +17381,6 @@
           <a:solidFill>
             <a:schemeClr val="accent5"/>
           </a:solidFill>
-        </p:spPr>
-      </p:pic>
-      <p:pic>
-        <p:nvPicPr>
-          <p:cNvPr id="18" name="Picture Placeholder 35" descr="A lady smiling in the office">
-            <a:extLst>
-              <a:ext uri="{FF2B5EF4-FFF2-40B4-BE49-F238E27FC236}">
-                <a16:creationId xmlns:a16="http://schemas.microsoft.com/office/drawing/2014/main" id="{C6542256-9872-4E26-F644-BFE97C2E573A}"/>
-              </a:ext>
-            </a:extLst>
-          </p:cNvPr>
-          <p:cNvPicPr>
-            <a:picLocks noChangeAspect="1"/>
-          </p:cNvPicPr>
-          <p:nvPr/>
-        </p:nvPicPr>
-        <p:blipFill rotWithShape="1">
-          <a:blip r:embed="rId5" cstate="screen">
-            <a:extLst>
-              <a:ext uri="{28A0092B-C50C-407E-A947-70E740481C1C}">
-                <a14:useLocalDpi xmlns:a14="http://schemas.microsoft.com/office/drawing/2010/main" val="0"/>
-              </a:ext>
-            </a:extLst>
-          </a:blip>
-          <a:srcRect/>
-          <a:stretch/>
-        </p:blipFill>
-        <p:spPr>
-          <a:xfrm>
-            <a:off x="4857635" y="3162650"/>
-            <a:ext cx="2476729" cy="2101875"/>
-          </a:xfrm>
-          <a:prstGeom prst="rect">
-            <a:avLst/>
-          </a:prstGeom>
-        </p:spPr>
-      </p:pic>
-      <p:pic>
-        <p:nvPicPr>
-          <p:cNvPr id="19" name="Picture Placeholder 37" descr="A lady in the office smiling at the camera&#10;">
-            <a:extLst>
-              <a:ext uri="{FF2B5EF4-FFF2-40B4-BE49-F238E27FC236}">
-                <a16:creationId xmlns:a16="http://schemas.microsoft.com/office/drawing/2014/main" id="{551AD4B8-AD41-8F5E-9822-B4088131FC22}"/>
-              </a:ext>
-            </a:extLst>
-          </p:cNvPr>
-          <p:cNvPicPr>
-            <a:picLocks noChangeAspect="1"/>
-          </p:cNvPicPr>
-          <p:nvPr/>
-        </p:nvPicPr>
-        <p:blipFill rotWithShape="1">
-          <a:blip r:embed="rId6" cstate="screen">
-            <a:extLst>
-              <a:ext uri="{28A0092B-C50C-407E-A947-70E740481C1C}">
-                <a14:useLocalDpi xmlns:a14="http://schemas.microsoft.com/office/drawing/2010/main" val="0"/>
-              </a:ext>
-            </a:extLst>
-          </a:blip>
-          <a:srcRect/>
-          <a:stretch/>
-        </p:blipFill>
-        <p:spPr>
-          <a:xfrm>
-            <a:off x="8895317" y="3165318"/>
-            <a:ext cx="2476729" cy="2101875"/>
-          </a:xfrm>
-          <a:prstGeom prst="rect">
-            <a:avLst/>
-          </a:prstGeom>
         </p:spPr>
       </p:pic>
       <p:sp>
@@ -16647,7 +17600,7 @@
           <a:p>
             <a:r>
               <a:rPr lang="en-US" dirty="0"/>
-              <a:t>Jon Kim</a:t>
+              <a:t>Anthony Segovia</a:t>
             </a:r>
           </a:p>
         </p:txBody>
@@ -17091,8 +18044,13 @@
           <a:p>
             <a:r>
               <a:rPr lang="en-US" dirty="0"/>
-              <a:t>Jada Smith</a:t>
+              <a:t>Juan </a:t>
             </a:r>
+            <a:r>
+              <a:rPr lang="en-US" dirty="0" err="1"/>
+              <a:t>Raigosa</a:t>
+            </a:r>
+            <a:endParaRPr lang="en-US" dirty="0"/>
           </a:p>
         </p:txBody>
       </p:sp>
@@ -17313,7 +18271,7 @@
           <a:p>
             <a:r>
               <a:rPr lang="en-US" dirty="0"/>
-              <a:t>We Developer</a:t>
+              <a:t>FinTech Professional</a:t>
             </a:r>
           </a:p>
         </p:txBody>
@@ -17535,7 +18493,7 @@
           <a:p>
             <a:r>
               <a:rPr lang="en-US" dirty="0"/>
-              <a:t>Amber Hearth</a:t>
+              <a:t>Oscar Lopez</a:t>
             </a:r>
           </a:p>
         </p:txBody>
@@ -17816,201 +18774,55 @@
           </a:p>
         </p:txBody>
       </p:sp>
-    </p:spTree>
-    <p:extLst>
-      <p:ext uri="{BB962C8B-B14F-4D97-AF65-F5344CB8AC3E}">
-        <p14:creationId xmlns:p14="http://schemas.microsoft.com/office/powerpoint/2010/main" val="3521561301"/>
-      </p:ext>
-    </p:extLst>
-  </p:cSld>
-  <p:clrMapOvr>
-    <a:masterClrMapping/>
-  </p:clrMapOvr>
-</p:sld>
-</file>
-
-<file path=ppt/slides/slide8.xml><?xml version="1.0" encoding="utf-8"?>
-<p:sld xmlns:a="http://schemas.openxmlformats.org/drawingml/2006/main" xmlns:r="http://schemas.openxmlformats.org/officeDocument/2006/relationships" xmlns:p="http://schemas.openxmlformats.org/presentationml/2006/main">
-  <p:cSld>
-    <p:spTree>
-      <p:nvGrpSpPr>
-        <p:cNvPr id="1" name=""/>
-        <p:cNvGrpSpPr/>
-        <p:nvPr/>
-      </p:nvGrpSpPr>
-      <p:grpSpPr>
-        <a:xfrm>
-          <a:off x="0" y="0"/>
-          <a:ext cx="0" cy="0"/>
-          <a:chOff x="0" y="0"/>
-          <a:chExt cx="0" cy="0"/>
-        </a:xfrm>
-      </p:grpSpPr>
-      <p:sp>
-        <p:nvSpPr>
-          <p:cNvPr id="11" name="Title 10">
-            <a:extLst>
-              <a:ext uri="{FF2B5EF4-FFF2-40B4-BE49-F238E27FC236}">
-                <a16:creationId xmlns:a16="http://schemas.microsoft.com/office/drawing/2014/main" id="{23418ADF-358F-4647-A511-FCFFEDA83429}"/>
-              </a:ext>
-            </a:extLst>
-          </p:cNvPr>
-          <p:cNvSpPr>
-            <a:spLocks noGrp="1"/>
-          </p:cNvSpPr>
-          <p:nvPr>
-            <p:ph type="title"/>
-          </p:nvPr>
-        </p:nvSpPr>
-        <p:spPr>
-          <a:xfrm>
-            <a:off x="550863" y="3429000"/>
-            <a:ext cx="3885670" cy="3429000"/>
-          </a:xfrm>
-        </p:spPr>
-        <p:txBody>
-          <a:bodyPr anchor="ctr"/>
-          <a:lstStyle/>
-          <a:p>
-            <a:r>
-              <a:rPr lang="en-US" sz="4400" dirty="0"/>
-              <a:t>CONCLUSION:</a:t>
-            </a:r>
-          </a:p>
-        </p:txBody>
-      </p:sp>
-      <p:sp>
-        <p:nvSpPr>
-          <p:cNvPr id="12" name="Content Placeholder 11">
-            <a:extLst>
-              <a:ext uri="{FF2B5EF4-FFF2-40B4-BE49-F238E27FC236}">
-                <a16:creationId xmlns:a16="http://schemas.microsoft.com/office/drawing/2014/main" id="{E5127060-CDBF-435F-9009-A5451CCE305D}"/>
-              </a:ext>
-            </a:extLst>
-          </p:cNvPr>
-          <p:cNvSpPr>
-            <a:spLocks noGrp="1"/>
-          </p:cNvSpPr>
-          <p:nvPr>
-            <p:ph sz="quarter" idx="15"/>
-          </p:nvPr>
-        </p:nvSpPr>
-        <p:spPr>
-          <a:xfrm>
-            <a:off x="4436533" y="3428999"/>
-            <a:ext cx="7204604" cy="3428999"/>
-          </a:xfrm>
-          <a:noFill/>
-        </p:spPr>
-        <p:txBody>
-          <a:bodyPr anchor="ctr">
-            <a:normAutofit/>
-          </a:bodyPr>
-          <a:lstStyle/>
-          <a:p>
-            <a:pPr marL="0" indent="0" algn="just">
-              <a:buNone/>
-            </a:pPr>
-            <a:r>
-              <a:rPr lang="en-US" dirty="0"/>
-              <a:t>The </a:t>
-            </a:r>
-            <a:r>
-              <a:rPr lang="en-US" dirty="0" err="1"/>
-              <a:t>CertiPro</a:t>
-            </a:r>
-            <a:r>
-              <a:rPr lang="en-US" dirty="0"/>
-              <a:t> app will be a great source for professionals to integrate and upload and upgrade their resumes, diplomas, certifications and awards. </a:t>
-            </a:r>
-          </a:p>
-          <a:p>
-            <a:pPr marL="0" indent="0" algn="just">
-              <a:buNone/>
-            </a:pPr>
-            <a:r>
-              <a:rPr lang="en-US" dirty="0"/>
-              <a:t>It will also be a great source for recruiters to find certified professionals to meet the technology needs of their costumers and companies </a:t>
-            </a:r>
-          </a:p>
-        </p:txBody>
-      </p:sp>
       <p:pic>
         <p:nvPicPr>
-          <p:cNvPr id="15" name="Picture Placeholder 7" descr="Data Points Digital background">
+          <p:cNvPr id="1028" name="Picture 4" descr="Profile photo for Juan Raigosa">
             <a:extLst>
               <a:ext uri="{FF2B5EF4-FFF2-40B4-BE49-F238E27FC236}">
-                <a16:creationId xmlns:a16="http://schemas.microsoft.com/office/drawing/2014/main" id="{8599C7F6-9BE5-1FB7-9E0A-DE2895B4B436}"/>
+                <a16:creationId xmlns:a16="http://schemas.microsoft.com/office/drawing/2014/main" id="{60CDD8B3-D705-459A-4863-A17120B2BDD2}"/>
               </a:ext>
             </a:extLst>
           </p:cNvPr>
           <p:cNvPicPr>
-            <a:picLocks noGrp="1" noChangeAspect="1"/>
+            <a:picLocks noChangeAspect="1" noChangeArrowheads="1"/>
           </p:cNvPicPr>
-          <p:nvPr>
-            <p:ph type="pic" sz="quarter" idx="13"/>
-          </p:nvPr>
+          <p:nvPr/>
         </p:nvPicPr>
         <p:blipFill rotWithShape="1">
-          <a:blip r:embed="rId3">
+          <a:blip r:embed="rId6">
             <a:extLst>
               <a:ext uri="{28A0092B-C50C-407E-A947-70E740481C1C}">
                 <a14:useLocalDpi xmlns:a14="http://schemas.microsoft.com/office/drawing/2010/main" val="0"/>
               </a:ext>
             </a:extLst>
           </a:blip>
-          <a:srcRect t="36786" b="13213"/>
+          <a:srcRect l="3291" t="372" r="5282" b="19008"/>
           <a:stretch/>
         </p:blipFill>
-        <p:spPr>
+        <p:spPr bwMode="auto">
           <a:xfrm>
-            <a:off x="0" y="1"/>
-            <a:ext cx="12192000" cy="3428998"/>
-          </a:xfrm>
-          <a:prstGeom prst="rect">
-            <a:avLst/>
-          </a:prstGeom>
-          <a:solidFill>
-            <a:schemeClr val="accent5"/>
-          </a:solidFill>
-        </p:spPr>
-      </p:pic>
-      <p:sp>
-        <p:nvSpPr>
-          <p:cNvPr id="5" name="TextBox 4">
-            <a:extLst>
-              <a:ext uri="{FF2B5EF4-FFF2-40B4-BE49-F238E27FC236}">
-                <a16:creationId xmlns:a16="http://schemas.microsoft.com/office/drawing/2014/main" id="{EB759249-1124-77D8-3942-F76BDED6C1C5}"/>
-              </a:ext>
-            </a:extLst>
-          </p:cNvPr>
-          <p:cNvSpPr txBox="1"/>
-          <p:nvPr/>
-        </p:nvSpPr>
-        <p:spPr>
-          <a:xfrm>
-            <a:off x="13305453" y="3564294"/>
-            <a:ext cx="184731" cy="369332"/>
+            <a:off x="5120064" y="2986307"/>
+            <a:ext cx="1894114" cy="2339733"/>
           </a:xfrm>
           <a:prstGeom prst="rect">
             <a:avLst/>
           </a:prstGeom>
           <a:noFill/>
+          <a:extLst>
+            <a:ext uri="{909E8E84-426E-40DD-AFC4-6F175D3DCCD1}">
+              <a14:hiddenFill xmlns:a14="http://schemas.microsoft.com/office/drawing/2010/main">
+                <a:solidFill>
+                  <a:srgbClr val="FFFFFF"/>
+                </a:solidFill>
+              </a14:hiddenFill>
+            </a:ext>
+          </a:extLst>
         </p:spPr>
-        <p:txBody>
-          <a:bodyPr wrap="none" rtlCol="0">
-            <a:spAutoFit/>
-          </a:bodyPr>
-          <a:lstStyle/>
-          <a:p>
-            <a:endParaRPr lang="en-US" dirty="0"/>
-          </a:p>
-        </p:txBody>
-      </p:sp>
+      </p:pic>
     </p:spTree>
     <p:extLst>
       <p:ext uri="{BB962C8B-B14F-4D97-AF65-F5344CB8AC3E}">
-        <p14:creationId xmlns:p14="http://schemas.microsoft.com/office/powerpoint/2010/main" val="2720438822"/>
+        <p14:creationId xmlns:p14="http://schemas.microsoft.com/office/powerpoint/2010/main" val="3521561301"/>
       </p:ext>
     </p:extLst>
   </p:cSld>
@@ -18037,12 +18849,104 @@
           <a:chExt cx="0" cy="0"/>
         </a:xfrm>
       </p:grpSpPr>
+      <p:pic>
+        <p:nvPicPr>
+          <p:cNvPr id="6" name="Picture 5">
+            <a:extLst>
+              <a:ext uri="{FF2B5EF4-FFF2-40B4-BE49-F238E27FC236}">
+                <a16:creationId xmlns:a16="http://schemas.microsoft.com/office/drawing/2014/main" id="{61873D6D-9DA2-4F0A-F573-A9ECE7EB4132}"/>
+              </a:ext>
+            </a:extLst>
+          </p:cNvPr>
+          <p:cNvPicPr>
+            <a:picLocks noChangeAspect="1"/>
+          </p:cNvPicPr>
+          <p:nvPr/>
+        </p:nvPicPr>
+        <p:blipFill rotWithShape="1">
+          <a:blip r:embed="rId3"/>
+          <a:srcRect l="22272" r="17908"/>
+          <a:stretch/>
+        </p:blipFill>
+        <p:spPr>
+          <a:xfrm>
+            <a:off x="6982035" y="2547681"/>
+            <a:ext cx="2833685" cy="2744257"/>
+          </a:xfrm>
+          <a:prstGeom prst="rect">
+            <a:avLst/>
+          </a:prstGeom>
+        </p:spPr>
+      </p:pic>
+      <p:pic>
+        <p:nvPicPr>
+          <p:cNvPr id="4" name="Picture 3">
+            <a:extLst>
+              <a:ext uri="{FF2B5EF4-FFF2-40B4-BE49-F238E27FC236}">
+                <a16:creationId xmlns:a16="http://schemas.microsoft.com/office/drawing/2014/main" id="{DD54A4CA-4BD0-10E0-3E4C-F351FA1C9060}"/>
+              </a:ext>
+            </a:extLst>
+          </p:cNvPr>
+          <p:cNvPicPr>
+            <a:picLocks noChangeAspect="1"/>
+          </p:cNvPicPr>
+          <p:nvPr/>
+        </p:nvPicPr>
+        <p:blipFill rotWithShape="1">
+          <a:blip r:embed="rId4"/>
+          <a:srcRect l="17789" r="21902"/>
+          <a:stretch/>
+        </p:blipFill>
+        <p:spPr>
+          <a:xfrm>
+            <a:off x="2048147" y="2547681"/>
+            <a:ext cx="2833684" cy="2724867"/>
+          </a:xfrm>
+          <a:prstGeom prst="rect">
+            <a:avLst/>
+          </a:prstGeom>
+        </p:spPr>
+      </p:pic>
+      <p:pic>
+        <p:nvPicPr>
+          <p:cNvPr id="10" name="Picture Placeholder 7" descr="Data Points Digital background">
+            <a:extLst>
+              <a:ext uri="{FF2B5EF4-FFF2-40B4-BE49-F238E27FC236}">
+                <a16:creationId xmlns:a16="http://schemas.microsoft.com/office/drawing/2014/main" id="{BBDFE8C0-BA85-B868-2F4F-A54F6ED054AD}"/>
+              </a:ext>
+            </a:extLst>
+          </p:cNvPr>
+          <p:cNvPicPr>
+            <a:picLocks noGrp="1" noChangeAspect="1"/>
+          </p:cNvPicPr>
+          <p:nvPr>
+            <p:ph type="pic" sz="quarter" idx="13"/>
+          </p:nvPr>
+        </p:nvPicPr>
+        <p:blipFill rotWithShape="1">
+          <a:blip r:embed="rId5">
+            <a:extLst>
+              <a:ext uri="{28A0092B-C50C-407E-A947-70E740481C1C}">
+                <a14:useLocalDpi xmlns:a14="http://schemas.microsoft.com/office/drawing/2010/main" val="0"/>
+              </a:ext>
+            </a:extLst>
+          </a:blip>
+          <a:srcRect t="22465" b="41325"/>
+          <a:stretch/>
+        </p:blipFill>
+        <p:spPr>
+          <a:xfrm>
+            <a:off x="0" y="-256032"/>
+            <a:ext cx="12192000" cy="2483099"/>
+          </a:xfrm>
+        </p:spPr>
+      </p:pic>
       <p:sp>
         <p:nvSpPr>
-          <p:cNvPr id="23" name="Content Placeholder 11">
+          <p:cNvPr id="21" name="Text Placeholder 40">
             <a:extLst>
               <a:ext uri="{FF2B5EF4-FFF2-40B4-BE49-F238E27FC236}">
-                <a16:creationId xmlns:a16="http://schemas.microsoft.com/office/drawing/2014/main" id="{CB7CD96E-BAB0-0B9A-C9C4-EBF30BE14E65}"/>
+                <a16:creationId xmlns:a16="http://schemas.microsoft.com/office/drawing/2014/main" id="{749EAD18-AD4B-3E58-35A5-F0F469F3C141}"/>
               </a:ext>
             </a:extLst>
           </p:cNvPr>
@@ -18053,18 +18957,15 @@
         </p:nvSpPr>
         <p:spPr>
           <a:xfrm>
-            <a:off x="4313237" y="3041899"/>
-            <a:ext cx="3565524" cy="3189568"/>
+            <a:off x="2308852" y="5272548"/>
+            <a:ext cx="2505551" cy="365760"/>
           </a:xfrm>
           <a:prstGeom prst="rect">
             <a:avLst/>
           </a:prstGeom>
-          <a:noFill/>
         </p:spPr>
         <p:txBody>
-          <a:bodyPr anchor="t">
-            <a:normAutofit/>
-          </a:bodyPr>
+          <a:bodyPr/>
           <a:lstStyle>
             <a:lvl1pPr marL="228600" indent="-228600" algn="l" defTabSz="914400" rtl="0" eaLnBrk="1" latinLnBrk="0" hangingPunct="1">
               <a:lnSpc>
@@ -18255,22 +19156,28 @@
             </a:lvl9pPr>
           </a:lstStyle>
           <a:p>
-            <a:pPr marL="0" indent="0">
-              <a:buNone/>
-            </a:pPr>
             <a:r>
-              <a:rPr lang="en-US" sz="2800" dirty="0"/>
-              <a:t>Lo que sea</a:t>
+              <a:rPr lang="en-US" dirty="0" err="1"/>
+              <a:t>Vandale</a:t>
             </a:r>
+            <a:r>
+              <a:rPr lang="en-US" dirty="0"/>
+              <a:t> </a:t>
+            </a:r>
+            <a:r>
+              <a:rPr lang="en-US" dirty="0" err="1"/>
+              <a:t>Calender</a:t>
+            </a:r>
+            <a:endParaRPr lang="en-US" dirty="0"/>
           </a:p>
         </p:txBody>
       </p:sp>
       <p:sp>
         <p:nvSpPr>
-          <p:cNvPr id="24" name="Content Placeholder 11">
+          <p:cNvPr id="22" name="Subtitle 14">
             <a:extLst>
               <a:ext uri="{FF2B5EF4-FFF2-40B4-BE49-F238E27FC236}">
-                <a16:creationId xmlns:a16="http://schemas.microsoft.com/office/drawing/2014/main" id="{E9EAD6F9-D815-E901-7B98-D20312CF88B8}"/>
+                <a16:creationId xmlns:a16="http://schemas.microsoft.com/office/drawing/2014/main" id="{A7E33F4F-0923-5C7F-3D79-C56DCF1D9DA8}"/>
               </a:ext>
             </a:extLst>
           </p:cNvPr>
@@ -18281,18 +19188,15 @@
         </p:nvSpPr>
         <p:spPr>
           <a:xfrm>
-            <a:off x="8043860" y="3041899"/>
-            <a:ext cx="3565524" cy="3189568"/>
+            <a:off x="2308852" y="5757140"/>
+            <a:ext cx="2833684" cy="638175"/>
           </a:xfrm>
           <a:prstGeom prst="rect">
             <a:avLst/>
           </a:prstGeom>
-          <a:noFill/>
         </p:spPr>
         <p:txBody>
-          <a:bodyPr anchor="t">
-            <a:normAutofit/>
-          </a:bodyPr>
+          <a:bodyPr/>
           <a:lstStyle>
             <a:lvl1pPr marL="228600" indent="-228600" algn="l" defTabSz="914400" rtl="0" eaLnBrk="1" latinLnBrk="0" hangingPunct="1">
               <a:lnSpc>
@@ -18483,22 +19387,19 @@
             </a:lvl9pPr>
           </a:lstStyle>
           <a:p>
-            <a:pPr marL="0" indent="0">
-              <a:buNone/>
-            </a:pPr>
             <a:r>
-              <a:rPr lang="en-US" sz="2800" dirty="0"/>
-              <a:t>Lo que sea</a:t>
+              <a:rPr lang="en-US" dirty="0"/>
+              <a:t>Web Developer</a:t>
             </a:r>
           </a:p>
         </p:txBody>
       </p:sp>
       <p:sp>
         <p:nvSpPr>
-          <p:cNvPr id="25" name="Content Placeholder 11">
+          <p:cNvPr id="23" name="Text Placeholder 42">
             <a:extLst>
               <a:ext uri="{FF2B5EF4-FFF2-40B4-BE49-F238E27FC236}">
-                <a16:creationId xmlns:a16="http://schemas.microsoft.com/office/drawing/2014/main" id="{C8135FA7-CC20-2095-8575-B78A8A7A4BAA}"/>
+                <a16:creationId xmlns:a16="http://schemas.microsoft.com/office/drawing/2014/main" id="{99D92CC4-D572-2626-6A90-95CACDAC2D26}"/>
               </a:ext>
             </a:extLst>
           </p:cNvPr>
@@ -18509,18 +19410,15 @@
         </p:nvSpPr>
         <p:spPr>
           <a:xfrm>
-            <a:off x="582616" y="2483099"/>
-            <a:ext cx="3565524" cy="558800"/>
+            <a:off x="7310170" y="5272548"/>
+            <a:ext cx="2505551" cy="365760"/>
           </a:xfrm>
           <a:prstGeom prst="rect">
             <a:avLst/>
           </a:prstGeom>
-          <a:noFill/>
         </p:spPr>
         <p:txBody>
-          <a:bodyPr anchor="t">
-            <a:normAutofit/>
-          </a:bodyPr>
+          <a:bodyPr/>
           <a:lstStyle>
             <a:lvl1pPr marL="228600" indent="-228600" algn="l" defTabSz="914400" rtl="0" eaLnBrk="1" latinLnBrk="0" hangingPunct="1">
               <a:lnSpc>
@@ -18711,22 +19609,23 @@
             </a:lvl9pPr>
           </a:lstStyle>
           <a:p>
-            <a:pPr marL="0" indent="0" algn="ctr">
-              <a:buNone/>
-            </a:pPr>
             <a:r>
-              <a:rPr lang="en-US" sz="2800" dirty="0"/>
-              <a:t>STUDENT</a:t>
+              <a:rPr lang="en-US" dirty="0" err="1"/>
+              <a:t>Khizer</a:t>
+            </a:r>
+            <a:r>
+              <a:rPr lang="en-US" dirty="0"/>
+              <a:t> Azad</a:t>
             </a:r>
           </a:p>
         </p:txBody>
       </p:sp>
       <p:sp>
         <p:nvSpPr>
-          <p:cNvPr id="26" name="Content Placeholder 11">
+          <p:cNvPr id="24" name="Text Placeholder 41">
             <a:extLst>
               <a:ext uri="{FF2B5EF4-FFF2-40B4-BE49-F238E27FC236}">
-                <a16:creationId xmlns:a16="http://schemas.microsoft.com/office/drawing/2014/main" id="{FE9A1996-E31E-32EC-7FAC-3438CD9B5E76}"/>
+                <a16:creationId xmlns:a16="http://schemas.microsoft.com/office/drawing/2014/main" id="{DE6D0C8B-A365-8C8D-0390-FEF0AEF60EC5}"/>
               </a:ext>
             </a:extLst>
           </p:cNvPr>
@@ -18737,18 +19636,15 @@
         </p:nvSpPr>
         <p:spPr>
           <a:xfrm>
-            <a:off x="4313238" y="2483099"/>
-            <a:ext cx="3565524" cy="558800"/>
+            <a:off x="7309809" y="5757141"/>
+            <a:ext cx="2505912" cy="638175"/>
           </a:xfrm>
           <a:prstGeom prst="rect">
             <a:avLst/>
           </a:prstGeom>
-          <a:noFill/>
         </p:spPr>
         <p:txBody>
-          <a:bodyPr anchor="t">
-            <a:normAutofit/>
-          </a:bodyPr>
+          <a:bodyPr/>
           <a:lstStyle>
             <a:lvl1pPr marL="228600" indent="-228600" algn="l" defTabSz="914400" rtl="0" eaLnBrk="1" latinLnBrk="0" hangingPunct="1">
               <a:lnSpc>
@@ -18939,22 +19835,19 @@
             </a:lvl9pPr>
           </a:lstStyle>
           <a:p>
-            <a:pPr marL="0" indent="0" algn="ctr">
-              <a:buNone/>
-            </a:pPr>
             <a:r>
-              <a:rPr lang="en-US" sz="2800" dirty="0"/>
-              <a:t>UNIVERSITY</a:t>
+              <a:rPr lang="en-US" dirty="0"/>
+              <a:t>Data Analysist</a:t>
             </a:r>
           </a:p>
         </p:txBody>
       </p:sp>
       <p:sp>
         <p:nvSpPr>
-          <p:cNvPr id="27" name="Content Placeholder 11">
+          <p:cNvPr id="29" name="Title 1">
             <a:extLst>
               <a:ext uri="{FF2B5EF4-FFF2-40B4-BE49-F238E27FC236}">
-                <a16:creationId xmlns:a16="http://schemas.microsoft.com/office/drawing/2014/main" id="{54617BEA-2A30-9446-056C-70BB54771DDF}"/>
+                <a16:creationId xmlns:a16="http://schemas.microsoft.com/office/drawing/2014/main" id="{86618F8A-584F-75BD-FAAD-B50DD2B0E609}"/>
               </a:ext>
             </a:extLst>
           </p:cNvPr>
@@ -18965,499 +19858,8 @@
         </p:nvSpPr>
         <p:spPr>
           <a:xfrm>
-            <a:off x="8043861" y="2483099"/>
-            <a:ext cx="3565524" cy="558800"/>
-          </a:xfrm>
-          <a:prstGeom prst="rect">
-            <a:avLst/>
-          </a:prstGeom>
-          <a:noFill/>
-        </p:spPr>
-        <p:txBody>
-          <a:bodyPr anchor="t">
-            <a:normAutofit/>
-          </a:bodyPr>
-          <a:lstStyle>
-            <a:lvl1pPr marL="228600" indent="-228600" algn="l" defTabSz="914400" rtl="0" eaLnBrk="1" latinLnBrk="0" hangingPunct="1">
-              <a:lnSpc>
-                <a:spcPct val="110000"/>
-              </a:lnSpc>
-              <a:spcBef>
-                <a:spcPts val="1000"/>
-              </a:spcBef>
-              <a:spcAft>
-                <a:spcPts val="800"/>
-              </a:spcAft>
-              <a:buFont typeface="Arial" panose="020B0604020202020204" pitchFamily="34" charset="0"/>
-              <a:buChar char="•"/>
-              <a:defRPr sz="2000" kern="1200">
-                <a:solidFill>
-                  <a:schemeClr val="tx1">
-                    <a:alpha val="60000"/>
-                  </a:schemeClr>
-                </a:solidFill>
-                <a:latin typeface="+mn-lt"/>
-                <a:ea typeface="+mn-ea"/>
-                <a:cs typeface="+mn-cs"/>
-              </a:defRPr>
-            </a:lvl1pPr>
-            <a:lvl2pPr marL="685800" indent="-228600" algn="l" defTabSz="914400" rtl="0" eaLnBrk="1" latinLnBrk="0" hangingPunct="1">
-              <a:lnSpc>
-                <a:spcPct val="110000"/>
-              </a:lnSpc>
-              <a:spcBef>
-                <a:spcPts val="500"/>
-              </a:spcBef>
-              <a:spcAft>
-                <a:spcPts val="800"/>
-              </a:spcAft>
-              <a:buFont typeface="Arial" panose="020B0604020202020204" pitchFamily="34" charset="0"/>
-              <a:buChar char="•"/>
-              <a:defRPr sz="1400" kern="1200">
-                <a:solidFill>
-                  <a:schemeClr val="tx1">
-                    <a:alpha val="60000"/>
-                  </a:schemeClr>
-                </a:solidFill>
-                <a:latin typeface="+mn-lt"/>
-                <a:ea typeface="+mn-ea"/>
-                <a:cs typeface="+mn-cs"/>
-              </a:defRPr>
-            </a:lvl2pPr>
-            <a:lvl3pPr marL="1143000" indent="-228600" algn="l" defTabSz="914400" rtl="0" eaLnBrk="1" latinLnBrk="0" hangingPunct="1">
-              <a:lnSpc>
-                <a:spcPct val="110000"/>
-              </a:lnSpc>
-              <a:spcBef>
-                <a:spcPts val="500"/>
-              </a:spcBef>
-              <a:spcAft>
-                <a:spcPts val="800"/>
-              </a:spcAft>
-              <a:buFont typeface="Arial" panose="020B0604020202020204" pitchFamily="34" charset="0"/>
-              <a:buChar char="•"/>
-              <a:defRPr sz="1400" kern="1200">
-                <a:solidFill>
-                  <a:schemeClr val="tx1">
-                    <a:alpha val="60000"/>
-                  </a:schemeClr>
-                </a:solidFill>
-                <a:latin typeface="+mn-lt"/>
-                <a:ea typeface="+mn-ea"/>
-                <a:cs typeface="+mn-cs"/>
-              </a:defRPr>
-            </a:lvl3pPr>
-            <a:lvl4pPr marL="1600200" indent="-228600" algn="l" defTabSz="914400" rtl="0" eaLnBrk="1" latinLnBrk="0" hangingPunct="1">
-              <a:lnSpc>
-                <a:spcPct val="110000"/>
-              </a:lnSpc>
-              <a:spcBef>
-                <a:spcPts val="500"/>
-              </a:spcBef>
-              <a:spcAft>
-                <a:spcPts val="800"/>
-              </a:spcAft>
-              <a:buFont typeface="Arial" panose="020B0604020202020204" pitchFamily="34" charset="0"/>
-              <a:buChar char="•"/>
-              <a:defRPr sz="1400" kern="1200">
-                <a:solidFill>
-                  <a:schemeClr val="tx1">
-                    <a:alpha val="60000"/>
-                  </a:schemeClr>
-                </a:solidFill>
-                <a:latin typeface="+mn-lt"/>
-                <a:ea typeface="+mn-ea"/>
-                <a:cs typeface="+mn-cs"/>
-              </a:defRPr>
-            </a:lvl4pPr>
-            <a:lvl5pPr marL="2057400" indent="-228600" algn="l" defTabSz="914400" rtl="0" eaLnBrk="1" latinLnBrk="0" hangingPunct="1">
-              <a:lnSpc>
-                <a:spcPct val="110000"/>
-              </a:lnSpc>
-              <a:spcBef>
-                <a:spcPts val="500"/>
-              </a:spcBef>
-              <a:spcAft>
-                <a:spcPts val="800"/>
-              </a:spcAft>
-              <a:buFont typeface="Arial" panose="020B0604020202020204" pitchFamily="34" charset="0"/>
-              <a:buChar char="•"/>
-              <a:defRPr sz="1400" kern="1200">
-                <a:solidFill>
-                  <a:schemeClr val="tx1">
-                    <a:alpha val="60000"/>
-                  </a:schemeClr>
-                </a:solidFill>
-                <a:latin typeface="+mn-lt"/>
-                <a:ea typeface="+mn-ea"/>
-                <a:cs typeface="+mn-cs"/>
-              </a:defRPr>
-            </a:lvl5pPr>
-            <a:lvl6pPr marL="2514600" indent="-228600" algn="l" defTabSz="914400" rtl="0" eaLnBrk="1" latinLnBrk="0" hangingPunct="1">
-              <a:lnSpc>
-                <a:spcPct val="90000"/>
-              </a:lnSpc>
-              <a:spcBef>
-                <a:spcPts val="500"/>
-              </a:spcBef>
-              <a:buFont typeface="Arial" panose="020B0604020202020204" pitchFamily="34" charset="0"/>
-              <a:buChar char="•"/>
-              <a:defRPr sz="1800" kern="1200">
-                <a:solidFill>
-                  <a:schemeClr val="tx1"/>
-                </a:solidFill>
-                <a:latin typeface="+mn-lt"/>
-                <a:ea typeface="+mn-ea"/>
-                <a:cs typeface="+mn-cs"/>
-              </a:defRPr>
-            </a:lvl6pPr>
-            <a:lvl7pPr marL="2971800" indent="-228600" algn="l" defTabSz="914400" rtl="0" eaLnBrk="1" latinLnBrk="0" hangingPunct="1">
-              <a:lnSpc>
-                <a:spcPct val="90000"/>
-              </a:lnSpc>
-              <a:spcBef>
-                <a:spcPts val="500"/>
-              </a:spcBef>
-              <a:buFont typeface="Arial" panose="020B0604020202020204" pitchFamily="34" charset="0"/>
-              <a:buChar char="•"/>
-              <a:defRPr sz="1800" kern="1200">
-                <a:solidFill>
-                  <a:schemeClr val="tx1"/>
-                </a:solidFill>
-                <a:latin typeface="+mn-lt"/>
-                <a:ea typeface="+mn-ea"/>
-                <a:cs typeface="+mn-cs"/>
-              </a:defRPr>
-            </a:lvl7pPr>
-            <a:lvl8pPr marL="3429000" indent="-228600" algn="l" defTabSz="914400" rtl="0" eaLnBrk="1" latinLnBrk="0" hangingPunct="1">
-              <a:lnSpc>
-                <a:spcPct val="90000"/>
-              </a:lnSpc>
-              <a:spcBef>
-                <a:spcPts val="500"/>
-              </a:spcBef>
-              <a:buFont typeface="Arial" panose="020B0604020202020204" pitchFamily="34" charset="0"/>
-              <a:buChar char="•"/>
-              <a:defRPr sz="1800" kern="1200">
-                <a:solidFill>
-                  <a:schemeClr val="tx1"/>
-                </a:solidFill>
-                <a:latin typeface="+mn-lt"/>
-                <a:ea typeface="+mn-ea"/>
-                <a:cs typeface="+mn-cs"/>
-              </a:defRPr>
-            </a:lvl8pPr>
-            <a:lvl9pPr marL="3886200" indent="-228600" algn="l" defTabSz="914400" rtl="0" eaLnBrk="1" latinLnBrk="0" hangingPunct="1">
-              <a:lnSpc>
-                <a:spcPct val="90000"/>
-              </a:lnSpc>
-              <a:spcBef>
-                <a:spcPts val="500"/>
-              </a:spcBef>
-              <a:buFont typeface="Arial" panose="020B0604020202020204" pitchFamily="34" charset="0"/>
-              <a:buChar char="•"/>
-              <a:defRPr sz="1800" kern="1200">
-                <a:solidFill>
-                  <a:schemeClr val="tx1"/>
-                </a:solidFill>
-                <a:latin typeface="+mn-lt"/>
-                <a:ea typeface="+mn-ea"/>
-                <a:cs typeface="+mn-cs"/>
-              </a:defRPr>
-            </a:lvl9pPr>
-          </a:lstStyle>
-          <a:p>
-            <a:pPr marL="0" indent="0" algn="ctr">
-              <a:buNone/>
-            </a:pPr>
-            <a:r>
-              <a:rPr lang="en-US" sz="2800" dirty="0"/>
-              <a:t>CERTIPRO</a:t>
-            </a:r>
-          </a:p>
-        </p:txBody>
-      </p:sp>
-      <p:sp>
-        <p:nvSpPr>
-          <p:cNvPr id="28" name="Content Placeholder 11">
-            <a:extLst>
-              <a:ext uri="{FF2B5EF4-FFF2-40B4-BE49-F238E27FC236}">
-                <a16:creationId xmlns:a16="http://schemas.microsoft.com/office/drawing/2014/main" id="{523C55CD-2754-39F9-B41B-A47B6781BEA6}"/>
-              </a:ext>
-            </a:extLst>
-          </p:cNvPr>
-          <p:cNvSpPr txBox="1">
-            <a:spLocks/>
-          </p:cNvSpPr>
-          <p:nvPr/>
-        </p:nvSpPr>
-        <p:spPr>
-          <a:xfrm>
-            <a:off x="582614" y="3041899"/>
-            <a:ext cx="3565524" cy="3189568"/>
-          </a:xfrm>
-          <a:prstGeom prst="rect">
-            <a:avLst/>
-          </a:prstGeom>
-          <a:noFill/>
-        </p:spPr>
-        <p:txBody>
-          <a:bodyPr anchor="t">
-            <a:normAutofit/>
-          </a:bodyPr>
-          <a:lstStyle>
-            <a:lvl1pPr marL="228600" indent="-228600" algn="l" defTabSz="914400" rtl="0" eaLnBrk="1" latinLnBrk="0" hangingPunct="1">
-              <a:lnSpc>
-                <a:spcPct val="110000"/>
-              </a:lnSpc>
-              <a:spcBef>
-                <a:spcPts val="1000"/>
-              </a:spcBef>
-              <a:spcAft>
-                <a:spcPts val="800"/>
-              </a:spcAft>
-              <a:buFont typeface="Arial" panose="020B0604020202020204" pitchFamily="34" charset="0"/>
-              <a:buChar char="•"/>
-              <a:defRPr sz="2000" kern="1200">
-                <a:solidFill>
-                  <a:schemeClr val="tx1">
-                    <a:alpha val="60000"/>
-                  </a:schemeClr>
-                </a:solidFill>
-                <a:latin typeface="+mn-lt"/>
-                <a:ea typeface="+mn-ea"/>
-                <a:cs typeface="+mn-cs"/>
-              </a:defRPr>
-            </a:lvl1pPr>
-            <a:lvl2pPr marL="685800" indent="-228600" algn="l" defTabSz="914400" rtl="0" eaLnBrk="1" latinLnBrk="0" hangingPunct="1">
-              <a:lnSpc>
-                <a:spcPct val="110000"/>
-              </a:lnSpc>
-              <a:spcBef>
-                <a:spcPts val="500"/>
-              </a:spcBef>
-              <a:spcAft>
-                <a:spcPts val="800"/>
-              </a:spcAft>
-              <a:buFont typeface="Arial" panose="020B0604020202020204" pitchFamily="34" charset="0"/>
-              <a:buChar char="•"/>
-              <a:defRPr sz="1400" kern="1200">
-                <a:solidFill>
-                  <a:schemeClr val="tx1">
-                    <a:alpha val="60000"/>
-                  </a:schemeClr>
-                </a:solidFill>
-                <a:latin typeface="+mn-lt"/>
-                <a:ea typeface="+mn-ea"/>
-                <a:cs typeface="+mn-cs"/>
-              </a:defRPr>
-            </a:lvl2pPr>
-            <a:lvl3pPr marL="1143000" indent="-228600" algn="l" defTabSz="914400" rtl="0" eaLnBrk="1" latinLnBrk="0" hangingPunct="1">
-              <a:lnSpc>
-                <a:spcPct val="110000"/>
-              </a:lnSpc>
-              <a:spcBef>
-                <a:spcPts val="500"/>
-              </a:spcBef>
-              <a:spcAft>
-                <a:spcPts val="800"/>
-              </a:spcAft>
-              <a:buFont typeface="Arial" panose="020B0604020202020204" pitchFamily="34" charset="0"/>
-              <a:buChar char="•"/>
-              <a:defRPr sz="1400" kern="1200">
-                <a:solidFill>
-                  <a:schemeClr val="tx1">
-                    <a:alpha val="60000"/>
-                  </a:schemeClr>
-                </a:solidFill>
-                <a:latin typeface="+mn-lt"/>
-                <a:ea typeface="+mn-ea"/>
-                <a:cs typeface="+mn-cs"/>
-              </a:defRPr>
-            </a:lvl3pPr>
-            <a:lvl4pPr marL="1600200" indent="-228600" algn="l" defTabSz="914400" rtl="0" eaLnBrk="1" latinLnBrk="0" hangingPunct="1">
-              <a:lnSpc>
-                <a:spcPct val="110000"/>
-              </a:lnSpc>
-              <a:spcBef>
-                <a:spcPts val="500"/>
-              </a:spcBef>
-              <a:spcAft>
-                <a:spcPts val="800"/>
-              </a:spcAft>
-              <a:buFont typeface="Arial" panose="020B0604020202020204" pitchFamily="34" charset="0"/>
-              <a:buChar char="•"/>
-              <a:defRPr sz="1400" kern="1200">
-                <a:solidFill>
-                  <a:schemeClr val="tx1">
-                    <a:alpha val="60000"/>
-                  </a:schemeClr>
-                </a:solidFill>
-                <a:latin typeface="+mn-lt"/>
-                <a:ea typeface="+mn-ea"/>
-                <a:cs typeface="+mn-cs"/>
-              </a:defRPr>
-            </a:lvl4pPr>
-            <a:lvl5pPr marL="2057400" indent="-228600" algn="l" defTabSz="914400" rtl="0" eaLnBrk="1" latinLnBrk="0" hangingPunct="1">
-              <a:lnSpc>
-                <a:spcPct val="110000"/>
-              </a:lnSpc>
-              <a:spcBef>
-                <a:spcPts val="500"/>
-              </a:spcBef>
-              <a:spcAft>
-                <a:spcPts val="800"/>
-              </a:spcAft>
-              <a:buFont typeface="Arial" panose="020B0604020202020204" pitchFamily="34" charset="0"/>
-              <a:buChar char="•"/>
-              <a:defRPr sz="1400" kern="1200">
-                <a:solidFill>
-                  <a:schemeClr val="tx1">
-                    <a:alpha val="60000"/>
-                  </a:schemeClr>
-                </a:solidFill>
-                <a:latin typeface="+mn-lt"/>
-                <a:ea typeface="+mn-ea"/>
-                <a:cs typeface="+mn-cs"/>
-              </a:defRPr>
-            </a:lvl5pPr>
-            <a:lvl6pPr marL="2514600" indent="-228600" algn="l" defTabSz="914400" rtl="0" eaLnBrk="1" latinLnBrk="0" hangingPunct="1">
-              <a:lnSpc>
-                <a:spcPct val="90000"/>
-              </a:lnSpc>
-              <a:spcBef>
-                <a:spcPts val="500"/>
-              </a:spcBef>
-              <a:buFont typeface="Arial" panose="020B0604020202020204" pitchFamily="34" charset="0"/>
-              <a:buChar char="•"/>
-              <a:defRPr sz="1800" kern="1200">
-                <a:solidFill>
-                  <a:schemeClr val="tx1"/>
-                </a:solidFill>
-                <a:latin typeface="+mn-lt"/>
-                <a:ea typeface="+mn-ea"/>
-                <a:cs typeface="+mn-cs"/>
-              </a:defRPr>
-            </a:lvl6pPr>
-            <a:lvl7pPr marL="2971800" indent="-228600" algn="l" defTabSz="914400" rtl="0" eaLnBrk="1" latinLnBrk="0" hangingPunct="1">
-              <a:lnSpc>
-                <a:spcPct val="90000"/>
-              </a:lnSpc>
-              <a:spcBef>
-                <a:spcPts val="500"/>
-              </a:spcBef>
-              <a:buFont typeface="Arial" panose="020B0604020202020204" pitchFamily="34" charset="0"/>
-              <a:buChar char="•"/>
-              <a:defRPr sz="1800" kern="1200">
-                <a:solidFill>
-                  <a:schemeClr val="tx1"/>
-                </a:solidFill>
-                <a:latin typeface="+mn-lt"/>
-                <a:ea typeface="+mn-ea"/>
-                <a:cs typeface="+mn-cs"/>
-              </a:defRPr>
-            </a:lvl7pPr>
-            <a:lvl8pPr marL="3429000" indent="-228600" algn="l" defTabSz="914400" rtl="0" eaLnBrk="1" latinLnBrk="0" hangingPunct="1">
-              <a:lnSpc>
-                <a:spcPct val="90000"/>
-              </a:lnSpc>
-              <a:spcBef>
-                <a:spcPts val="500"/>
-              </a:spcBef>
-              <a:buFont typeface="Arial" panose="020B0604020202020204" pitchFamily="34" charset="0"/>
-              <a:buChar char="•"/>
-              <a:defRPr sz="1800" kern="1200">
-                <a:solidFill>
-                  <a:schemeClr val="tx1"/>
-                </a:solidFill>
-                <a:latin typeface="+mn-lt"/>
-                <a:ea typeface="+mn-ea"/>
-                <a:cs typeface="+mn-cs"/>
-              </a:defRPr>
-            </a:lvl8pPr>
-            <a:lvl9pPr marL="3886200" indent="-228600" algn="l" defTabSz="914400" rtl="0" eaLnBrk="1" latinLnBrk="0" hangingPunct="1">
-              <a:lnSpc>
-                <a:spcPct val="90000"/>
-              </a:lnSpc>
-              <a:spcBef>
-                <a:spcPts val="500"/>
-              </a:spcBef>
-              <a:buFont typeface="Arial" panose="020B0604020202020204" pitchFamily="34" charset="0"/>
-              <a:buChar char="•"/>
-              <a:defRPr sz="1800" kern="1200">
-                <a:solidFill>
-                  <a:schemeClr val="tx1"/>
-                </a:solidFill>
-                <a:latin typeface="+mn-lt"/>
-                <a:ea typeface="+mn-ea"/>
-                <a:cs typeface="+mn-cs"/>
-              </a:defRPr>
-            </a:lvl9pPr>
-          </a:lstStyle>
-          <a:p>
-            <a:pPr marL="0" indent="0">
-              <a:buNone/>
-            </a:pPr>
-            <a:r>
-              <a:rPr lang="en-US" sz="2800" dirty="0"/>
-              <a:t>Lo que sea</a:t>
-            </a:r>
-          </a:p>
-        </p:txBody>
-      </p:sp>
-      <p:pic>
-        <p:nvPicPr>
-          <p:cNvPr id="29" name="Picture Placeholder 7" descr="Data Points Digital background">
-            <a:extLst>
-              <a:ext uri="{FF2B5EF4-FFF2-40B4-BE49-F238E27FC236}">
-                <a16:creationId xmlns:a16="http://schemas.microsoft.com/office/drawing/2014/main" id="{91989E96-3DAB-3505-CF41-A3BAD4575AAC}"/>
-              </a:ext>
-            </a:extLst>
-          </p:cNvPr>
-          <p:cNvPicPr>
-            <a:picLocks noChangeAspect="1"/>
-          </p:cNvPicPr>
-          <p:nvPr/>
-        </p:nvPicPr>
-        <p:blipFill rotWithShape="1">
-          <a:blip r:embed="rId2">
-            <a:extLst>
-              <a:ext uri="{28A0092B-C50C-407E-A947-70E740481C1C}">
-                <a14:useLocalDpi xmlns:a14="http://schemas.microsoft.com/office/drawing/2010/main" val="0"/>
-              </a:ext>
-            </a:extLst>
-          </a:blip>
-          <a:srcRect t="22465" b="41325"/>
-          <a:stretch/>
-        </p:blipFill>
-        <p:spPr>
-          <a:xfrm>
-            <a:off x="0" y="-256032"/>
-            <a:ext cx="12192000" cy="2483099"/>
-          </a:xfrm>
-          <a:prstGeom prst="rect">
-            <a:avLst/>
-          </a:prstGeom>
-        </p:spPr>
-      </p:pic>
-      <p:sp>
-        <p:nvSpPr>
-          <p:cNvPr id="30" name="Title 1">
-            <a:extLst>
-              <a:ext uri="{FF2B5EF4-FFF2-40B4-BE49-F238E27FC236}">
-                <a16:creationId xmlns:a16="http://schemas.microsoft.com/office/drawing/2014/main" id="{C78D3FED-F5C1-944B-D8FA-83D2A272C50A}"/>
-              </a:ext>
-            </a:extLst>
-          </p:cNvPr>
-          <p:cNvSpPr txBox="1">
-            <a:spLocks/>
-          </p:cNvSpPr>
-          <p:nvPr/>
-        </p:nvSpPr>
-        <p:spPr>
-          <a:xfrm>
-            <a:off x="582616" y="-256032"/>
-            <a:ext cx="3938584" cy="2483099"/>
+            <a:off x="582615" y="-256032"/>
+            <a:ext cx="4270393" cy="2483099"/>
           </a:xfrm>
           <a:prstGeom prst="rect">
             <a:avLst/>
@@ -19489,7 +19891,7 @@
           <a:p>
             <a:r>
               <a:rPr lang="en-US" dirty="0"/>
-              <a:t>ELEMENTOS</a:t>
+              <a:t>PROFILES IN CERTIPRO</a:t>
             </a:r>
           </a:p>
         </p:txBody>
@@ -19497,7 +19899,7 @@
     </p:spTree>
     <p:extLst>
       <p:ext uri="{BB962C8B-B14F-4D97-AF65-F5344CB8AC3E}">
-        <p14:creationId xmlns:p14="http://schemas.microsoft.com/office/powerpoint/2010/main" val="340311029"/>
+        <p14:creationId xmlns:p14="http://schemas.microsoft.com/office/powerpoint/2010/main" val="490605762"/>
       </p:ext>
     </p:extLst>
   </p:cSld>
@@ -20299,34 +20701,6 @@
 </file>
 
 <file path=customXml/item1.xml><?xml version="1.0" encoding="utf-8"?>
-<?mso-contentType ?>
-<FormTemplates xmlns="http://schemas.microsoft.com/sharepoint/v3/contenttype/forms">
-  <Display>DocumentLibraryForm</Display>
-  <Edit>DocumentLibraryForm</Edit>
-  <New>DocumentLibraryForm</New>
-</FormTemplates>
-</file>
-
-<file path=customXml/item2.xml><?xml version="1.0" encoding="utf-8"?>
-<p:properties xmlns:p="http://schemas.microsoft.com/office/2006/metadata/properties" xmlns:xsi="http://www.w3.org/2001/XMLSchema-instance" xmlns:pc="http://schemas.microsoft.com/office/infopath/2007/PartnerControls">
-  <documentManagement>
-    <_ip_UnifiedCompliancePolicyUIAction xmlns="http://schemas.microsoft.com/sharepoint/v3" xsi:nil="true"/>
-    <Image xmlns="71af3243-3dd4-4a8d-8c0d-dd76da1f02a5">
-      <Url xsi:nil="true"/>
-      <Description xsi:nil="true"/>
-    </Image>
-    <Status xmlns="71af3243-3dd4-4a8d-8c0d-dd76da1f02a5">Not started</Status>
-    <_ip_UnifiedCompliancePolicyProperties xmlns="http://schemas.microsoft.com/sharepoint/v3" xsi:nil="true"/>
-    <lcf76f155ced4ddcb4097134ff3c332f xmlns="71af3243-3dd4-4a8d-8c0d-dd76da1f02a5">
-      <Terms xmlns="http://schemas.microsoft.com/office/infopath/2007/PartnerControls"/>
-    </lcf76f155ced4ddcb4097134ff3c332f>
-    <TaxCatchAll xmlns="230e9df3-be65-4c73-a93b-d1236ebd677e"/>
-    <MediaServiceKeyPoints xmlns="71af3243-3dd4-4a8d-8c0d-dd76da1f02a5" xsi:nil="true"/>
-  </documentManagement>
-</p:properties>
-</file>
-
-<file path=customXml/item3.xml><?xml version="1.0" encoding="utf-8"?>
 <ct:contentTypeSchema xmlns:ct="http://schemas.microsoft.com/office/2006/metadata/contentType" xmlns:ma="http://schemas.microsoft.com/office/2006/metadata/properties/metaAttributes" ct:_="" ma:_="" ma:contentTypeName="Document" ma:contentTypeID="0x01010079F111ED35F8CC479449609E8A0923A6" ma:contentTypeVersion="18" ma:contentTypeDescription="Create a new document." ma:contentTypeScope="" ma:versionID="22a266b9fa9a230c5a512669d8b298c3">
   <xsd:schema xmlns:xsd="http://www.w3.org/2001/XMLSchema" xmlns:xs="http://www.w3.org/2001/XMLSchema" xmlns:p="http://schemas.microsoft.com/office/2006/metadata/properties" xmlns:ns1="http://schemas.microsoft.com/sharepoint/v3" xmlns:ns2="71af3243-3dd4-4a8d-8c0d-dd76da1f02a5" xmlns:ns3="16c05727-aa75-4e4a-9b5f-8a80a1165891" xmlns:ns4="230e9df3-be65-4c73-a93b-d1236ebd677e" targetNamespace="http://schemas.microsoft.com/office/2006/metadata/properties" ma:root="true" ma:fieldsID="eddc33fff6b14141ee5c74a0d29ea6a1" ns1:_="" ns2:_="" ns3:_="" ns4:_="">
     <xsd:import namespace="http://schemas.microsoft.com/sharepoint/v3"/>
@@ -20602,27 +20976,35 @@
 </ct:contentTypeSchema>
 </file>
 
-<file path=customXml/itemProps1.xml><?xml version="1.0" encoding="utf-8"?>
-<ds:datastoreItem xmlns:ds="http://schemas.openxmlformats.org/officeDocument/2006/customXml" ds:itemID="{904751AB-E840-446F-8D49-E697067EC887}">
-  <ds:schemaRefs>
-    <ds:schemaRef ds:uri="http://schemas.microsoft.com/sharepoint/v3/contenttype/forms"/>
-  </ds:schemaRefs>
-</ds:datastoreItem>
+<file path=customXml/item2.xml><?xml version="1.0" encoding="utf-8"?>
+<p:properties xmlns:p="http://schemas.microsoft.com/office/2006/metadata/properties" xmlns:xsi="http://www.w3.org/2001/XMLSchema-instance" xmlns:pc="http://schemas.microsoft.com/office/infopath/2007/PartnerControls">
+  <documentManagement>
+    <_ip_UnifiedCompliancePolicyUIAction xmlns="http://schemas.microsoft.com/sharepoint/v3" xsi:nil="true"/>
+    <Image xmlns="71af3243-3dd4-4a8d-8c0d-dd76da1f02a5">
+      <Url xsi:nil="true"/>
+      <Description xsi:nil="true"/>
+    </Image>
+    <Status xmlns="71af3243-3dd4-4a8d-8c0d-dd76da1f02a5">Not started</Status>
+    <_ip_UnifiedCompliancePolicyProperties xmlns="http://schemas.microsoft.com/sharepoint/v3" xsi:nil="true"/>
+    <lcf76f155ced4ddcb4097134ff3c332f xmlns="71af3243-3dd4-4a8d-8c0d-dd76da1f02a5">
+      <Terms xmlns="http://schemas.microsoft.com/office/infopath/2007/PartnerControls"/>
+    </lcf76f155ced4ddcb4097134ff3c332f>
+    <TaxCatchAll xmlns="230e9df3-be65-4c73-a93b-d1236ebd677e"/>
+    <MediaServiceKeyPoints xmlns="71af3243-3dd4-4a8d-8c0d-dd76da1f02a5" xsi:nil="true"/>
+  </documentManagement>
+</p:properties>
 </file>
 
-<file path=customXml/itemProps2.xml><?xml version="1.0" encoding="utf-8"?>
-<ds:datastoreItem xmlns:ds="http://schemas.openxmlformats.org/officeDocument/2006/customXml" ds:itemID="{50811A92-D464-4AC4-A396-BA73B10CEEAC}">
-  <ds:schemaRefs>
-    <ds:schemaRef ds:uri="http://schemas.microsoft.com/office/2006/metadata/properties"/>
-    <ds:schemaRef ds:uri="http://schemas.microsoft.com/office/infopath/2007/PartnerControls"/>
-    <ds:schemaRef ds:uri="http://schemas.microsoft.com/sharepoint/v3"/>
-    <ds:schemaRef ds:uri="71af3243-3dd4-4a8d-8c0d-dd76da1f02a5"/>
-    <ds:schemaRef ds:uri="230e9df3-be65-4c73-a93b-d1236ebd677e"/>
-  </ds:schemaRefs>
-</ds:datastoreItem>
+<file path=customXml/item3.xml><?xml version="1.0" encoding="utf-8"?>
+<?mso-contentType ?>
+<FormTemplates xmlns="http://schemas.microsoft.com/sharepoint/v3/contenttype/forms">
+  <Display>DocumentLibraryForm</Display>
+  <Edit>DocumentLibraryForm</Edit>
+  <New>DocumentLibraryForm</New>
+</FormTemplates>
 </file>
 
-<file path=customXml/itemProps3.xml><?xml version="1.0" encoding="utf-8"?>
+<file path=customXml/itemProps1.xml><?xml version="1.0" encoding="utf-8"?>
 <ds:datastoreItem xmlns:ds="http://schemas.openxmlformats.org/officeDocument/2006/customXml" ds:itemID="{DE4876F9-7AE1-498D-B8FE-1E3AD703D2AF}">
   <ds:schemaRefs>
     <ds:schemaRef ds:uri="http://schemas.microsoft.com/office/2006/metadata/contentType"/>
@@ -20643,6 +21025,26 @@
 </ds:datastoreItem>
 </file>
 
+<file path=customXml/itemProps2.xml><?xml version="1.0" encoding="utf-8"?>
+<ds:datastoreItem xmlns:ds="http://schemas.openxmlformats.org/officeDocument/2006/customXml" ds:itemID="{50811A92-D464-4AC4-A396-BA73B10CEEAC}">
+  <ds:schemaRefs>
+    <ds:schemaRef ds:uri="http://schemas.microsoft.com/office/2006/metadata/properties"/>
+    <ds:schemaRef ds:uri="http://schemas.microsoft.com/office/infopath/2007/PartnerControls"/>
+    <ds:schemaRef ds:uri="http://schemas.microsoft.com/sharepoint/v3"/>
+    <ds:schemaRef ds:uri="71af3243-3dd4-4a8d-8c0d-dd76da1f02a5"/>
+    <ds:schemaRef ds:uri="230e9df3-be65-4c73-a93b-d1236ebd677e"/>
+  </ds:schemaRefs>
+</ds:datastoreItem>
+</file>
+
+<file path=customXml/itemProps3.xml><?xml version="1.0" encoding="utf-8"?>
+<ds:datastoreItem xmlns:ds="http://schemas.openxmlformats.org/officeDocument/2006/customXml" ds:itemID="{904751AB-E840-446F-8D49-E697067EC887}">
+  <ds:schemaRefs>
+    <ds:schemaRef ds:uri="http://schemas.microsoft.com/sharepoint/v3/contenttype/forms"/>
+  </ds:schemaRefs>
+</ds:datastoreItem>
+</file>
+
 <file path=docMetadata/LabelInfo.xml><?xml version="1.0" encoding="utf-8"?>
 <clbl:labelList xmlns:clbl="http://schemas.microsoft.com/office/2020/mipLabelMetadata">
   <clbl:label id="{f42aa342-8706-4288-bd11-ebb85995028c}" enabled="1" method="Standard" siteId="{72f988bf-86f1-41af-91ab-2d7cd011db47}" contentBits="0" removed="0"/>
